--- a/Day_2/Day_2_Lectures/Day_2_Metadata_Intro.pptx
+++ b/Day_2/Day_2_Lectures/Day_2_Metadata_Intro.pptx
@@ -11,19 +11,19 @@
     <p:sldId id="256" r:id="rId2"/>
     <p:sldId id="257" r:id="rId3"/>
     <p:sldId id="258" r:id="rId4"/>
-    <p:sldId id="269" r:id="rId5"/>
-    <p:sldId id="259" r:id="rId6"/>
-    <p:sldId id="260" r:id="rId7"/>
-    <p:sldId id="261" r:id="rId8"/>
-    <p:sldId id="262" r:id="rId9"/>
-    <p:sldId id="263" r:id="rId10"/>
-    <p:sldId id="264" r:id="rId11"/>
-    <p:sldId id="265" r:id="rId12"/>
-    <p:sldId id="266" r:id="rId13"/>
-    <p:sldId id="267" r:id="rId14"/>
-    <p:sldId id="270" r:id="rId15"/>
-    <p:sldId id="271" r:id="rId16"/>
-    <p:sldId id="272" r:id="rId17"/>
+    <p:sldId id="272" r:id="rId5"/>
+    <p:sldId id="269" r:id="rId6"/>
+    <p:sldId id="259" r:id="rId7"/>
+    <p:sldId id="260" r:id="rId8"/>
+    <p:sldId id="261" r:id="rId9"/>
+    <p:sldId id="262" r:id="rId10"/>
+    <p:sldId id="263" r:id="rId11"/>
+    <p:sldId id="264" r:id="rId12"/>
+    <p:sldId id="265" r:id="rId13"/>
+    <p:sldId id="266" r:id="rId14"/>
+    <p:sldId id="267" r:id="rId15"/>
+    <p:sldId id="270" r:id="rId16"/>
+    <p:sldId id="271" r:id="rId17"/>
   </p:sldIdLst>
   <p:sldSz cx="9144000" cy="6858000" type="screen4x3"/>
   <p:notesSz cx="6858000" cy="9144000"/>
@@ -548,7 +548,7 @@
           <a:p>
             <a:fld id="{F14E18EE-E272-C844-A594-54C52B2566F2}" type="slidenum">
               <a:rPr lang="en-US" smtClean="0"/>
-              <a:t>4</a:t>
+              <a:t>5</a:t>
             </a:fld>
             <a:endParaRPr lang="en-US"/>
           </a:p>
@@ -656,7 +656,7 @@
           <a:p>
             <a:fld id="{F14E18EE-E272-C844-A594-54C52B2566F2}" type="slidenum">
               <a:rPr lang="en-US" smtClean="0"/>
-              <a:t>14</a:t>
+              <a:t>15</a:t>
             </a:fld>
             <a:endParaRPr lang="en-US"/>
           </a:p>
@@ -753,7 +753,7 @@
           <a:p>
             <a:fld id="{F14E18EE-E272-C844-A594-54C52B2566F2}" type="slidenum">
               <a:rPr lang="en-US" smtClean="0"/>
-              <a:t>15</a:t>
+              <a:t>16</a:t>
             </a:fld>
             <a:endParaRPr lang="en-US"/>
           </a:p>
@@ -3885,7 +3885,7 @@
           <a:p>
             <a:r>
               <a:rPr lang="en-US" dirty="0" smtClean="0"/>
-              <a:t>Administrative Metadata</a:t>
+              <a:t>Example</a:t>
             </a:r>
             <a:endParaRPr lang="en-US" dirty="0"/>
           </a:p>
@@ -3906,24 +3906,14 @@
           <a:bodyPr/>
           <a:lstStyle/>
           <a:p>
-            <a:pPr marL="0" indent="0">
-              <a:buNone/>
-            </a:pPr>
-            <a:r>
-              <a:rPr lang="en-US" dirty="0" smtClean="0"/>
-              <a:t>…provides </a:t>
-            </a:r>
-            <a:r>
-              <a:rPr lang="en-US" dirty="0"/>
-              <a:t>information to help manage a resource, such as when and how it was created, file type and other technical information, and who can access it. </a:t>
-            </a:r>
+            <a:endParaRPr lang="en-US"/>
           </a:p>
         </p:txBody>
       </p:sp>
     </p:spTree>
     <p:extLst>
       <p:ext uri="{BB962C8B-B14F-4D97-AF65-F5344CB8AC3E}">
-        <p14:creationId xmlns:p14="http://schemas.microsoft.com/office/powerpoint/2010/main" val="2313017815"/>
+        <p14:creationId xmlns:p14="http://schemas.microsoft.com/office/powerpoint/2010/main" val="3776700474"/>
       </p:ext>
     </p:extLst>
   </p:cSld>
@@ -3967,7 +3957,7 @@
           <a:p>
             <a:r>
               <a:rPr lang="en-US" dirty="0" smtClean="0"/>
-              <a:t>Subsets of Admin. Metadata</a:t>
+              <a:t>Administrative Metadata</a:t>
             </a:r>
             <a:endParaRPr lang="en-US" dirty="0"/>
           </a:p>
@@ -3992,39 +3982,12 @@
               <a:buNone/>
             </a:pPr>
             <a:r>
-              <a:rPr lang="en-US" b="1" dirty="0" smtClean="0"/>
-              <a:t>Rights </a:t>
-            </a:r>
-            <a:r>
-              <a:rPr lang="en-US" b="1" dirty="0"/>
-              <a:t>management metadata</a:t>
+              <a:rPr lang="en-US" dirty="0" smtClean="0"/>
+              <a:t>…provides </a:t>
             </a:r>
             <a:r>
               <a:rPr lang="en-US" dirty="0"/>
-              <a:t>, which deals with intellectual property rights,</a:t>
-            </a:r>
-          </a:p>
-          <a:p>
-            <a:pPr marL="0" indent="0">
-              <a:buNone/>
-            </a:pPr>
-            <a:endParaRPr lang="en-US" dirty="0" smtClean="0"/>
-          </a:p>
-          <a:p>
-            <a:pPr marL="0" indent="0">
-              <a:buNone/>
-            </a:pPr>
-            <a:r>
-              <a:rPr lang="en-US" b="1" dirty="0" smtClean="0"/>
-              <a:t>Preservation </a:t>
-            </a:r>
-            <a:r>
-              <a:rPr lang="en-US" b="1" dirty="0"/>
-              <a:t>metadata</a:t>
-            </a:r>
-            <a:r>
-              <a:rPr lang="en-US" dirty="0"/>
-              <a:t>, which contains information needed to archive and preserve a resource.</a:t>
+              <a:t>information to help manage a resource, such as when and how it was created, file type and other technical information, and who can access it. </a:t>
             </a:r>
           </a:p>
         </p:txBody>
@@ -4032,7 +3995,7 @@
     </p:spTree>
     <p:extLst>
       <p:ext uri="{BB962C8B-B14F-4D97-AF65-F5344CB8AC3E}">
-        <p14:creationId xmlns:p14="http://schemas.microsoft.com/office/powerpoint/2010/main" val="1611966263"/>
+        <p14:creationId xmlns:p14="http://schemas.microsoft.com/office/powerpoint/2010/main" val="2313017815"/>
       </p:ext>
     </p:extLst>
   </p:cSld>
@@ -4075,12 +4038,8 @@
           <a:lstStyle/>
           <a:p>
             <a:r>
-              <a:rPr lang="en-US" dirty="0" err="1" smtClean="0"/>
-              <a:t>Premis</a:t>
-            </a:r>
-            <a:r>
               <a:rPr lang="en-US" dirty="0" smtClean="0"/>
-              <a:t> (preservation metadata)</a:t>
+              <a:t>Subsets of Admin. Metadata</a:t>
             </a:r>
             <a:endParaRPr lang="en-US" dirty="0"/>
           </a:p>
@@ -4101,14 +4060,51 @@
           <a:bodyPr/>
           <a:lstStyle/>
           <a:p>
-            <a:endParaRPr lang="en-US"/>
+            <a:pPr marL="0" indent="0">
+              <a:buNone/>
+            </a:pPr>
+            <a:r>
+              <a:rPr lang="en-US" b="1" dirty="0" smtClean="0"/>
+              <a:t>Rights </a:t>
+            </a:r>
+            <a:r>
+              <a:rPr lang="en-US" b="1" dirty="0"/>
+              <a:t>management metadata</a:t>
+            </a:r>
+            <a:r>
+              <a:rPr lang="en-US" dirty="0"/>
+              <a:t>, which deals with intellectual property rights,</a:t>
+            </a:r>
+          </a:p>
+          <a:p>
+            <a:pPr marL="0" indent="0">
+              <a:buNone/>
+            </a:pPr>
+            <a:endParaRPr lang="en-US" dirty="0" smtClean="0"/>
+          </a:p>
+          <a:p>
+            <a:pPr marL="0" indent="0">
+              <a:buNone/>
+            </a:pPr>
+            <a:r>
+              <a:rPr lang="en-US" b="1" dirty="0" smtClean="0"/>
+              <a:t>Preservation </a:t>
+            </a:r>
+            <a:r>
+              <a:rPr lang="en-US" b="1" dirty="0"/>
+              <a:t>metadata</a:t>
+            </a:r>
+            <a:r>
+              <a:rPr lang="en-US" dirty="0"/>
+              <a:t>, which contains information needed to archive and preserve a resource.</a:t>
+            </a:r>
           </a:p>
         </p:txBody>
       </p:sp>
     </p:spTree>
     <p:extLst>
       <p:ext uri="{BB962C8B-B14F-4D97-AF65-F5344CB8AC3E}">
-        <p14:creationId xmlns:p14="http://schemas.microsoft.com/office/powerpoint/2010/main" val="1056757321"/>
+        <p14:creationId xmlns:p14="http://schemas.microsoft.com/office/powerpoint/2010/main" val="1611966263"/>
       </p:ext>
     </p:extLst>
   </p:cSld>
@@ -4151,6 +4147,82 @@
           <a:lstStyle/>
           <a:p>
             <a:r>
+              <a:rPr lang="en-US" dirty="0" err="1" smtClean="0"/>
+              <a:t>Premis</a:t>
+            </a:r>
+            <a:r>
+              <a:rPr lang="en-US" dirty="0" smtClean="0"/>
+              <a:t> (preservation metadata)</a:t>
+            </a:r>
+            <a:endParaRPr lang="en-US" dirty="0"/>
+          </a:p>
+        </p:txBody>
+      </p:sp>
+      <p:sp>
+        <p:nvSpPr>
+          <p:cNvPr id="3" name="Content Placeholder 2"/>
+          <p:cNvSpPr>
+            <a:spLocks noGrp="1"/>
+          </p:cNvSpPr>
+          <p:nvPr>
+            <p:ph idx="1"/>
+          </p:nvPr>
+        </p:nvSpPr>
+        <p:spPr/>
+        <p:txBody>
+          <a:bodyPr/>
+          <a:lstStyle/>
+          <a:p>
+            <a:endParaRPr lang="en-US"/>
+          </a:p>
+        </p:txBody>
+      </p:sp>
+    </p:spTree>
+    <p:extLst>
+      <p:ext uri="{BB962C8B-B14F-4D97-AF65-F5344CB8AC3E}">
+        <p14:creationId xmlns:p14="http://schemas.microsoft.com/office/powerpoint/2010/main" val="1056757321"/>
+      </p:ext>
+    </p:extLst>
+  </p:cSld>
+  <p:clrMapOvr>
+    <a:masterClrMapping/>
+  </p:clrMapOvr>
+</p:sld>
+</file>
+
+<file path=ppt/slides/slide14.xml><?xml version="1.0" encoding="utf-8"?>
+<p:sld xmlns:a="http://schemas.openxmlformats.org/drawingml/2006/main" xmlns:r="http://schemas.openxmlformats.org/officeDocument/2006/relationships" xmlns:p="http://schemas.openxmlformats.org/presentationml/2006/main">
+  <p:cSld>
+    <p:spTree>
+      <p:nvGrpSpPr>
+        <p:cNvPr id="1" name=""/>
+        <p:cNvGrpSpPr/>
+        <p:nvPr/>
+      </p:nvGrpSpPr>
+      <p:grpSpPr>
+        <a:xfrm>
+          <a:off x="0" y="0"/>
+          <a:ext cx="0" cy="0"/>
+          <a:chOff x="0" y="0"/>
+          <a:chExt cx="0" cy="0"/>
+        </a:xfrm>
+      </p:grpSpPr>
+      <p:sp>
+        <p:nvSpPr>
+          <p:cNvPr id="2" name="Title 1"/>
+          <p:cNvSpPr>
+            <a:spLocks noGrp="1"/>
+          </p:cNvSpPr>
+          <p:nvPr>
+            <p:ph type="title"/>
+          </p:nvPr>
+        </p:nvSpPr>
+        <p:spPr/>
+        <p:txBody>
+          <a:bodyPr/>
+          <a:lstStyle/>
+          <a:p>
+            <a:r>
               <a:rPr lang="en-US" dirty="0" smtClean="0"/>
               <a:t>IP Metadata</a:t>
             </a:r>
@@ -4190,7 +4262,7 @@
 </p:sld>
 </file>
 
-<file path=ppt/slides/slide14.xml><?xml version="1.0" encoding="utf-8"?>
+<file path=ppt/slides/slide15.xml><?xml version="1.0" encoding="utf-8"?>
 <p:sld xmlns:a="http://schemas.openxmlformats.org/drawingml/2006/main" xmlns:r="http://schemas.openxmlformats.org/officeDocument/2006/relationships" xmlns:p="http://schemas.openxmlformats.org/presentationml/2006/main">
   <p:cSld>
     <p:spTree>
@@ -4250,158 +4322,6 @@
 </p:sld>
 </file>
 
-<file path=ppt/slides/slide15.xml><?xml version="1.0" encoding="utf-8"?>
-<p:sld xmlns:a="http://schemas.openxmlformats.org/drawingml/2006/main" xmlns:r="http://schemas.openxmlformats.org/officeDocument/2006/relationships" xmlns:p="http://schemas.openxmlformats.org/presentationml/2006/main">
-  <p:cSld>
-    <p:spTree>
-      <p:nvGrpSpPr>
-        <p:cNvPr id="1" name=""/>
-        <p:cNvGrpSpPr/>
-        <p:nvPr/>
-      </p:nvGrpSpPr>
-      <p:grpSpPr>
-        <a:xfrm>
-          <a:off x="0" y="0"/>
-          <a:ext cx="0" cy="0"/>
-          <a:chOff x="0" y="0"/>
-          <a:chExt cx="0" cy="0"/>
-        </a:xfrm>
-      </p:grpSpPr>
-      <p:sp>
-        <p:nvSpPr>
-          <p:cNvPr id="2" name="Title 1"/>
-          <p:cNvSpPr>
-            <a:spLocks noGrp="1"/>
-          </p:cNvSpPr>
-          <p:nvPr>
-            <p:ph type="title"/>
-          </p:nvPr>
-        </p:nvSpPr>
-        <p:spPr/>
-        <p:txBody>
-          <a:bodyPr>
-            <a:normAutofit fontScale="90000"/>
-          </a:bodyPr>
-          <a:lstStyle/>
-          <a:p>
-            <a:r>
-              <a:rPr lang="en-US" dirty="0" smtClean="0"/>
-              <a:t>Who creates What metadata, </a:t>
-            </a:r>
-            <a:br>
-              <a:rPr lang="en-US" dirty="0" smtClean="0"/>
-            </a:br>
-            <a:r>
-              <a:rPr lang="en-US" dirty="0" smtClean="0"/>
-              <a:t>and When…</a:t>
-            </a:r>
-            <a:endParaRPr lang="en-US" dirty="0"/>
-          </a:p>
-        </p:txBody>
-      </p:sp>
-      <p:sp>
-        <p:nvSpPr>
-          <p:cNvPr id="3" name="Content Placeholder 2"/>
-          <p:cNvSpPr>
-            <a:spLocks noGrp="1"/>
-          </p:cNvSpPr>
-          <p:nvPr>
-            <p:ph idx="1"/>
-          </p:nvPr>
-        </p:nvSpPr>
-        <p:spPr>
-          <a:xfrm>
-            <a:off x="457200" y="1600201"/>
-            <a:ext cx="8229600" cy="4022980"/>
-          </a:xfrm>
-        </p:spPr>
-        <p:txBody>
-          <a:bodyPr>
-            <a:normAutofit fontScale="92500" lnSpcReduction="20000"/>
-          </a:bodyPr>
-          <a:lstStyle/>
-          <a:p>
-            <a:pPr marL="0" indent="0">
-              <a:buNone/>
-            </a:pPr>
-            <a:r>
-              <a:rPr lang="en-US" dirty="0" smtClean="0"/>
-              <a:t>Curators : When data are received / ingested, preservation actions are taken, after reuse occurs.  </a:t>
-            </a:r>
-          </a:p>
-          <a:p>
-            <a:pPr marL="0" indent="0">
-              <a:buNone/>
-            </a:pPr>
-            <a:endParaRPr lang="en-US" dirty="0" smtClean="0"/>
-          </a:p>
-          <a:p>
-            <a:pPr marL="0" indent="0">
-              <a:buNone/>
-            </a:pPr>
-            <a:r>
-              <a:rPr lang="en-US" dirty="0" smtClean="0"/>
-              <a:t>	Type: Descriptive, Structural, and (</a:t>
-            </a:r>
-            <a:r>
-              <a:rPr lang="en-US" dirty="0" err="1" smtClean="0"/>
-              <a:t>esp</a:t>
-            </a:r>
-            <a:r>
-              <a:rPr lang="en-US" dirty="0"/>
-              <a:t>)</a:t>
-            </a:r>
-            <a:r>
-              <a:rPr lang="en-US" dirty="0" smtClean="0"/>
-              <a:t> Admin</a:t>
-            </a:r>
-          </a:p>
-          <a:p>
-            <a:pPr marL="0" indent="0">
-              <a:buNone/>
-            </a:pPr>
-            <a:endParaRPr lang="en-US" dirty="0"/>
-          </a:p>
-          <a:p>
-            <a:pPr marL="0" indent="0">
-              <a:buNone/>
-            </a:pPr>
-            <a:r>
-              <a:rPr lang="en-US" dirty="0" smtClean="0"/>
-              <a:t>Data creators: When data are collected, transformed, reused.  </a:t>
-            </a:r>
-          </a:p>
-          <a:p>
-            <a:pPr marL="0" indent="0">
-              <a:buNone/>
-            </a:pPr>
-            <a:endParaRPr lang="en-US" dirty="0" smtClean="0"/>
-          </a:p>
-          <a:p>
-            <a:pPr marL="0" indent="0">
-              <a:buNone/>
-            </a:pPr>
-            <a:r>
-              <a:rPr lang="en-US" dirty="0" smtClean="0"/>
-              <a:t>	Type: Descriptive + Structural </a:t>
-            </a:r>
-            <a:endParaRPr lang="en-US" dirty="0"/>
-          </a:p>
-        </p:txBody>
-      </p:sp>
-    </p:spTree>
-    <p:extLst>
-      <p:ext uri="{BB962C8B-B14F-4D97-AF65-F5344CB8AC3E}">
-        <p14:creationId xmlns:p14="http://schemas.microsoft.com/office/powerpoint/2010/main" val="3432378380"/>
-      </p:ext>
-    </p:extLst>
-  </p:cSld>
-  <p:clrMapOvr>
-    <a:masterClrMapping/>
-  </p:clrMapOvr>
-</p:sld>
-</file>
-
 <file path=ppt/slides/slide16.xml><?xml version="1.0" encoding="utf-8"?>
 <p:sld xmlns:a="http://schemas.openxmlformats.org/drawingml/2006/main" xmlns:r="http://schemas.openxmlformats.org/officeDocument/2006/relationships" xmlns:p="http://schemas.openxmlformats.org/presentationml/2006/main">
   <p:cSld>
@@ -4431,9 +4351,22 @@
         </p:nvSpPr>
         <p:spPr/>
         <p:txBody>
-          <a:bodyPr/>
-          <a:lstStyle/>
-          <a:p>
+          <a:bodyPr>
+            <a:normAutofit fontScale="90000"/>
+          </a:bodyPr>
+          <a:lstStyle/>
+          <a:p>
+            <a:r>
+              <a:rPr lang="en-US" dirty="0" smtClean="0"/>
+              <a:t>Who creates What metadata, </a:t>
+            </a:r>
+            <a:br>
+              <a:rPr lang="en-US" dirty="0" smtClean="0"/>
+            </a:br>
+            <a:r>
+              <a:rPr lang="en-US" dirty="0" smtClean="0"/>
+              <a:t>and When…</a:t>
+            </a:r>
             <a:endParaRPr lang="en-US" dirty="0"/>
           </a:p>
         </p:txBody>
@@ -4448,19 +4381,90 @@
             <p:ph idx="1"/>
           </p:nvPr>
         </p:nvSpPr>
-        <p:spPr/>
-        <p:txBody>
-          <a:bodyPr/>
-          <a:lstStyle/>
-          <a:p>
-            <a:endParaRPr lang="en-US"/>
+        <p:spPr>
+          <a:xfrm>
+            <a:off x="457200" y="1600201"/>
+            <a:ext cx="8229600" cy="4022980"/>
+          </a:xfrm>
+        </p:spPr>
+        <p:txBody>
+          <a:bodyPr>
+            <a:normAutofit fontScale="92500" lnSpcReduction="20000"/>
+          </a:bodyPr>
+          <a:lstStyle/>
+          <a:p>
+            <a:pPr marL="0" indent="0">
+              <a:buNone/>
+            </a:pPr>
+            <a:r>
+              <a:rPr lang="en-US" dirty="0" smtClean="0"/>
+              <a:t>Curators : When data are received / ingested, preservation actions are taken, after reuse occurs.  </a:t>
+            </a:r>
+          </a:p>
+          <a:p>
+            <a:pPr marL="0" indent="0">
+              <a:buNone/>
+            </a:pPr>
+            <a:endParaRPr lang="en-US" dirty="0" smtClean="0"/>
+          </a:p>
+          <a:p>
+            <a:pPr marL="0" indent="0">
+              <a:buNone/>
+            </a:pPr>
+            <a:r>
+              <a:rPr lang="en-US" dirty="0" smtClean="0"/>
+              <a:t>	Type: Descriptive, Structural, and (</a:t>
+            </a:r>
+            <a:r>
+              <a:rPr lang="en-US" dirty="0" err="1" smtClean="0"/>
+              <a:t>esp</a:t>
+            </a:r>
+            <a:r>
+              <a:rPr lang="en-US" dirty="0"/>
+              <a:t>)</a:t>
+            </a:r>
+            <a:r>
+              <a:rPr lang="en-US" dirty="0" smtClean="0"/>
+              <a:t> Admin</a:t>
+            </a:r>
+          </a:p>
+          <a:p>
+            <a:pPr marL="0" indent="0">
+              <a:buNone/>
+            </a:pPr>
+            <a:endParaRPr lang="en-US" dirty="0"/>
+          </a:p>
+          <a:p>
+            <a:pPr marL="0" indent="0">
+              <a:buNone/>
+            </a:pPr>
+            <a:r>
+              <a:rPr lang="en-US" dirty="0" smtClean="0"/>
+              <a:t>Data creators: When data are collected, transformed, reused.  </a:t>
+            </a:r>
+          </a:p>
+          <a:p>
+            <a:pPr marL="0" indent="0">
+              <a:buNone/>
+            </a:pPr>
+            <a:endParaRPr lang="en-US" dirty="0" smtClean="0"/>
+          </a:p>
+          <a:p>
+            <a:pPr marL="0" indent="0">
+              <a:buNone/>
+            </a:pPr>
+            <a:r>
+              <a:rPr lang="en-US" dirty="0" smtClean="0"/>
+              <a:t>	Type: Descriptive + Structural </a:t>
+            </a:r>
+            <a:endParaRPr lang="en-US" dirty="0"/>
           </a:p>
         </p:txBody>
       </p:sp>
     </p:spTree>
     <p:extLst>
       <p:ext uri="{BB962C8B-B14F-4D97-AF65-F5344CB8AC3E}">
-        <p14:creationId xmlns:p14="http://schemas.microsoft.com/office/powerpoint/2010/main" val="3991447144"/>
+        <p14:creationId xmlns:p14="http://schemas.microsoft.com/office/powerpoint/2010/main" val="3432378380"/>
       </p:ext>
     </p:extLst>
   </p:cSld>
@@ -4664,6 +4668,120 @@
 </file>
 
 <file path=ppt/slides/slide4.xml><?xml version="1.0" encoding="utf-8"?>
+<p:sld xmlns:a="http://schemas.openxmlformats.org/drawingml/2006/main" xmlns:r="http://schemas.openxmlformats.org/officeDocument/2006/relationships" xmlns:p="http://schemas.openxmlformats.org/presentationml/2006/main">
+  <p:cSld>
+    <p:spTree>
+      <p:nvGrpSpPr>
+        <p:cNvPr id="1" name=""/>
+        <p:cNvGrpSpPr/>
+        <p:nvPr/>
+      </p:nvGrpSpPr>
+      <p:grpSpPr>
+        <a:xfrm>
+          <a:off x="0" y="0"/>
+          <a:ext cx="0" cy="0"/>
+          <a:chOff x="0" y="0"/>
+          <a:chExt cx="0" cy="0"/>
+        </a:xfrm>
+      </p:grpSpPr>
+      <p:sp>
+        <p:nvSpPr>
+          <p:cNvPr id="2" name="Title 1"/>
+          <p:cNvSpPr>
+            <a:spLocks noGrp="1"/>
+          </p:cNvSpPr>
+          <p:nvPr>
+            <p:ph type="title"/>
+          </p:nvPr>
+        </p:nvSpPr>
+        <p:spPr/>
+        <p:txBody>
+          <a:bodyPr>
+            <a:normAutofit fontScale="90000"/>
+          </a:bodyPr>
+          <a:lstStyle/>
+          <a:p>
+            <a:r>
+              <a:rPr lang="en-US" dirty="0" smtClean="0"/>
+              <a:t>What does metadata look like? 	</a:t>
+            </a:r>
+            <a:endParaRPr lang="en-US" dirty="0"/>
+          </a:p>
+        </p:txBody>
+      </p:sp>
+      <p:sp>
+        <p:nvSpPr>
+          <p:cNvPr id="3" name="Content Placeholder 2"/>
+          <p:cNvSpPr>
+            <a:spLocks noGrp="1"/>
+          </p:cNvSpPr>
+          <p:nvPr>
+            <p:ph idx="1"/>
+          </p:nvPr>
+        </p:nvSpPr>
+        <p:spPr/>
+        <p:txBody>
+          <a:bodyPr>
+            <a:normAutofit fontScale="85000" lnSpcReduction="10000"/>
+          </a:bodyPr>
+          <a:lstStyle/>
+          <a:p>
+            <a:r>
+              <a:rPr lang="en-US" dirty="0" smtClean="0"/>
+              <a:t>Can look like anything… (bugs in drawers / </a:t>
+            </a:r>
+            <a:r>
+              <a:rPr lang="en-US" dirty="0" err="1" smtClean="0"/>
+              <a:t>i.e</a:t>
+            </a:r>
+            <a:r>
+              <a:rPr lang="en-US" dirty="0" smtClean="0"/>
+              <a:t> take a photo of Andreas apartment)</a:t>
+            </a:r>
+          </a:p>
+          <a:p>
+            <a:endParaRPr lang="en-US" dirty="0" smtClean="0"/>
+          </a:p>
+          <a:p>
+            <a:r>
+              <a:rPr lang="en-US" dirty="0" smtClean="0"/>
+              <a:t>But we want machine readable expressions of our metadata… and that means</a:t>
+            </a:r>
+          </a:p>
+          <a:p>
+            <a:endParaRPr lang="en-US" dirty="0"/>
+          </a:p>
+          <a:p>
+            <a:r>
+              <a:rPr lang="en-US" dirty="0" smtClean="0"/>
+              <a:t>XML motherfuckers (picture of Karen yelling at Happy)</a:t>
+            </a:r>
+          </a:p>
+          <a:p>
+            <a:endParaRPr lang="en-US" dirty="0"/>
+          </a:p>
+          <a:p>
+            <a:r>
+              <a:rPr lang="en-US" dirty="0" smtClean="0"/>
+              <a:t>Tree structure that structures attribute and value pairs</a:t>
+            </a:r>
+          </a:p>
+        </p:txBody>
+      </p:sp>
+    </p:spTree>
+    <p:extLst>
+      <p:ext uri="{BB962C8B-B14F-4D97-AF65-F5344CB8AC3E}">
+        <p14:creationId xmlns:p14="http://schemas.microsoft.com/office/powerpoint/2010/main" val="1016405768"/>
+      </p:ext>
+    </p:extLst>
+  </p:cSld>
+  <p:clrMapOvr>
+    <a:masterClrMapping/>
+  </p:clrMapOvr>
+</p:sld>
+</file>
+
+<file path=ppt/slides/slide5.xml><?xml version="1.0" encoding="utf-8"?>
 <p:sld xmlns:a="http://schemas.openxmlformats.org/drawingml/2006/main" xmlns:r="http://schemas.openxmlformats.org/officeDocument/2006/relationships" xmlns:p="http://schemas.openxmlformats.org/presentationml/2006/main">
   <p:cSld>
     <p:spTree>
@@ -4723,107 +4841,6 @@
 </p:sld>
 </file>
 
-<file path=ppt/slides/slide5.xml><?xml version="1.0" encoding="utf-8"?>
-<p:sld xmlns:a="http://schemas.openxmlformats.org/drawingml/2006/main" xmlns:r="http://schemas.openxmlformats.org/officeDocument/2006/relationships" xmlns:p="http://schemas.openxmlformats.org/presentationml/2006/main">
-  <p:cSld>
-    <p:spTree>
-      <p:nvGrpSpPr>
-        <p:cNvPr id="1" name=""/>
-        <p:cNvGrpSpPr/>
-        <p:nvPr/>
-      </p:nvGrpSpPr>
-      <p:grpSpPr>
-        <a:xfrm>
-          <a:off x="0" y="0"/>
-          <a:ext cx="0" cy="0"/>
-          <a:chOff x="0" y="0"/>
-          <a:chExt cx="0" cy="0"/>
-        </a:xfrm>
-      </p:grpSpPr>
-      <p:sp>
-        <p:nvSpPr>
-          <p:cNvPr id="2" name="Title 1"/>
-          <p:cNvSpPr>
-            <a:spLocks noGrp="1"/>
-          </p:cNvSpPr>
-          <p:nvPr>
-            <p:ph type="title"/>
-          </p:nvPr>
-        </p:nvSpPr>
-        <p:spPr/>
-        <p:txBody>
-          <a:bodyPr/>
-          <a:lstStyle/>
-          <a:p>
-            <a:r>
-              <a:rPr lang="en-US" dirty="0" smtClean="0"/>
-              <a:t>Types of Metadata</a:t>
-            </a:r>
-            <a:endParaRPr lang="en-US" dirty="0"/>
-          </a:p>
-        </p:txBody>
-      </p:sp>
-      <p:sp>
-        <p:nvSpPr>
-          <p:cNvPr id="3" name="Content Placeholder 2"/>
-          <p:cNvSpPr>
-            <a:spLocks noGrp="1"/>
-          </p:cNvSpPr>
-          <p:nvPr>
-            <p:ph idx="1"/>
-          </p:nvPr>
-        </p:nvSpPr>
-        <p:spPr/>
-        <p:txBody>
-          <a:bodyPr/>
-          <a:lstStyle/>
-          <a:p>
-            <a:r>
-              <a:rPr lang="en-US" dirty="0" smtClean="0"/>
-              <a:t>Descriptive</a:t>
-            </a:r>
-          </a:p>
-          <a:p>
-            <a:r>
-              <a:rPr lang="en-US" dirty="0" smtClean="0"/>
-              <a:t>Structural</a:t>
-            </a:r>
-          </a:p>
-          <a:p>
-            <a:r>
-              <a:rPr lang="en-US" dirty="0" smtClean="0"/>
-              <a:t>Administrative</a:t>
-            </a:r>
-          </a:p>
-          <a:p>
-            <a:pPr lvl="1"/>
-            <a:r>
-              <a:rPr lang="en-US" dirty="0" smtClean="0"/>
-              <a:t>Rights Management</a:t>
-            </a:r>
-          </a:p>
-          <a:p>
-            <a:pPr lvl="1"/>
-            <a:r>
-              <a:rPr lang="en-US" dirty="0" smtClean="0"/>
-              <a:t>Preservation </a:t>
-            </a:r>
-          </a:p>
-        </p:txBody>
-      </p:sp>
-    </p:spTree>
-    <p:extLst>
-      <p:ext uri="{BB962C8B-B14F-4D97-AF65-F5344CB8AC3E}">
-        <p14:creationId xmlns:p14="http://schemas.microsoft.com/office/powerpoint/2010/main" val="3819906589"/>
-      </p:ext>
-    </p:extLst>
-  </p:cSld>
-  <p:clrMapOvr>
-    <a:masterClrMapping/>
-  </p:clrMapOvr>
-</p:sld>
-</file>
-
 <file path=ppt/slides/slide6.xml><?xml version="1.0" encoding="utf-8"?>
 <p:sld xmlns:a="http://schemas.openxmlformats.org/drawingml/2006/main" xmlns:r="http://schemas.openxmlformats.org/officeDocument/2006/relationships" xmlns:p="http://schemas.openxmlformats.org/presentationml/2006/main">
   <p:cSld>
@@ -4858,7 +4875,7 @@
           <a:p>
             <a:r>
               <a:rPr lang="en-US" dirty="0" smtClean="0"/>
-              <a:t>Descriptive Metadata	</a:t>
+              <a:t>Types of Metadata</a:t>
             </a:r>
             <a:endParaRPr lang="en-US" dirty="0"/>
           </a:p>
@@ -4874,55 +4891,48 @@
             <p:ph idx="1"/>
           </p:nvPr>
         </p:nvSpPr>
-        <p:spPr>
-          <a:xfrm>
-            <a:off x="554895" y="1817311"/>
-            <a:ext cx="8229600" cy="4525963"/>
-          </a:xfrm>
-        </p:spPr>
-        <p:txBody>
-          <a:bodyPr>
-            <a:normAutofit/>
-          </a:bodyPr>
-          <a:lstStyle/>
-          <a:p>
-            <a:pPr marL="0" indent="0">
-              <a:buNone/>
-            </a:pPr>
+        <p:spPr/>
+        <p:txBody>
+          <a:bodyPr/>
+          <a:lstStyle/>
+          <a:p>
             <a:r>
               <a:rPr lang="en-US" dirty="0" smtClean="0"/>
-              <a:t>… describes </a:t>
-            </a:r>
-            <a:r>
-              <a:rPr lang="en-US" dirty="0"/>
-              <a:t>a resource for purposes such as discovery and identification. It can include elements such as title, </a:t>
-            </a:r>
+              <a:t>Descriptive</a:t>
+            </a:r>
+          </a:p>
+          <a:p>
             <a:r>
               <a:rPr lang="en-US" dirty="0" smtClean="0"/>
-              <a:t>format, author</a:t>
-            </a:r>
-            <a:r>
-              <a:rPr lang="en-US" dirty="0"/>
-              <a:t> </a:t>
-            </a:r>
+              <a:t>Structural</a:t>
+            </a:r>
+          </a:p>
+          <a:p>
             <a:r>
               <a:rPr lang="en-US" dirty="0" smtClean="0"/>
-              <a:t>(s), keywords, spatial coverage, date, etc.</a:t>
-            </a:r>
-            <a:endParaRPr lang="en-US" dirty="0"/>
-          </a:p>
-          <a:p>
-            <a:pPr marL="0" indent="0">
-              <a:buNone/>
-            </a:pPr>
-            <a:endParaRPr lang="en-US" dirty="0"/>
+              <a:t>Administrative</a:t>
+            </a:r>
+          </a:p>
+          <a:p>
+            <a:pPr lvl="1"/>
+            <a:r>
+              <a:rPr lang="en-US" dirty="0" smtClean="0"/>
+              <a:t>Rights Management</a:t>
+            </a:r>
+          </a:p>
+          <a:p>
+            <a:pPr lvl="1"/>
+            <a:r>
+              <a:rPr lang="en-US" dirty="0" smtClean="0"/>
+              <a:t>Preservation </a:t>
+            </a:r>
           </a:p>
         </p:txBody>
       </p:sp>
     </p:spTree>
     <p:extLst>
       <p:ext uri="{BB962C8B-B14F-4D97-AF65-F5344CB8AC3E}">
-        <p14:creationId xmlns:p14="http://schemas.microsoft.com/office/powerpoint/2010/main" val="578525659"/>
+        <p14:creationId xmlns:p14="http://schemas.microsoft.com/office/powerpoint/2010/main" val="3819906589"/>
       </p:ext>
     </p:extLst>
   </p:cSld>
@@ -4966,7 +4976,7 @@
           <a:p>
             <a:r>
               <a:rPr lang="en-US" dirty="0" smtClean="0"/>
-              <a:t>Example</a:t>
+              <a:t>Descriptive Metadata	</a:t>
             </a:r>
             <a:endParaRPr lang="en-US" dirty="0"/>
           </a:p>
@@ -4982,19 +4992,55 @@
             <p:ph idx="1"/>
           </p:nvPr>
         </p:nvSpPr>
-        <p:spPr/>
-        <p:txBody>
-          <a:bodyPr/>
-          <a:lstStyle/>
-          <a:p>
-            <a:endParaRPr lang="en-US"/>
+        <p:spPr>
+          <a:xfrm>
+            <a:off x="554895" y="1817311"/>
+            <a:ext cx="8229600" cy="4525963"/>
+          </a:xfrm>
+        </p:spPr>
+        <p:txBody>
+          <a:bodyPr>
+            <a:normAutofit/>
+          </a:bodyPr>
+          <a:lstStyle/>
+          <a:p>
+            <a:pPr marL="0" indent="0">
+              <a:buNone/>
+            </a:pPr>
+            <a:r>
+              <a:rPr lang="en-US" dirty="0" smtClean="0"/>
+              <a:t>… describes </a:t>
+            </a:r>
+            <a:r>
+              <a:rPr lang="en-US" dirty="0"/>
+              <a:t>a resource for purposes such as discovery and identification. It can include elements such as title, </a:t>
+            </a:r>
+            <a:r>
+              <a:rPr lang="en-US" dirty="0" smtClean="0"/>
+              <a:t>format, author</a:t>
+            </a:r>
+            <a:r>
+              <a:rPr lang="en-US" dirty="0"/>
+              <a:t> </a:t>
+            </a:r>
+            <a:r>
+              <a:rPr lang="en-US" dirty="0" smtClean="0"/>
+              <a:t>(s), keywords, spatial coverage, date, etc.</a:t>
+            </a:r>
+            <a:endParaRPr lang="en-US" dirty="0"/>
+          </a:p>
+          <a:p>
+            <a:pPr marL="0" indent="0">
+              <a:buNone/>
+            </a:pPr>
+            <a:endParaRPr lang="en-US" dirty="0"/>
           </a:p>
         </p:txBody>
       </p:sp>
     </p:spTree>
     <p:extLst>
       <p:ext uri="{BB962C8B-B14F-4D97-AF65-F5344CB8AC3E}">
-        <p14:creationId xmlns:p14="http://schemas.microsoft.com/office/powerpoint/2010/main" val="4151033175"/>
+        <p14:creationId xmlns:p14="http://schemas.microsoft.com/office/powerpoint/2010/main" val="578525659"/>
       </p:ext>
     </p:extLst>
   </p:cSld>
@@ -5038,7 +5084,7 @@
           <a:p>
             <a:r>
               <a:rPr lang="en-US" dirty="0" smtClean="0"/>
-              <a:t>Structural Metadata</a:t>
+              <a:t>Example</a:t>
             </a:r>
             <a:endParaRPr lang="en-US" dirty="0"/>
           </a:p>
@@ -5059,29 +5105,14 @@
           <a:bodyPr/>
           <a:lstStyle/>
           <a:p>
-            <a:pPr marL="0" indent="0">
-              <a:buNone/>
-            </a:pPr>
-            <a:r>
-              <a:rPr lang="en-US" dirty="0" smtClean="0"/>
-              <a:t>…indicates </a:t>
-            </a:r>
-            <a:r>
-              <a:rPr lang="en-US" dirty="0"/>
-              <a:t>how compound objects are put together, for example, how pages are ordered to form </a:t>
-            </a:r>
-            <a:r>
-              <a:rPr lang="en-US" dirty="0" smtClean="0"/>
-              <a:t>chapters, or, how different observation events were combined for a “set” of data observations, etc. </a:t>
-            </a:r>
-            <a:endParaRPr lang="en-US" dirty="0"/>
+            <a:endParaRPr lang="en-US"/>
           </a:p>
         </p:txBody>
       </p:sp>
     </p:spTree>
     <p:extLst>
       <p:ext uri="{BB962C8B-B14F-4D97-AF65-F5344CB8AC3E}">
-        <p14:creationId xmlns:p14="http://schemas.microsoft.com/office/powerpoint/2010/main" val="958778815"/>
+        <p14:creationId xmlns:p14="http://schemas.microsoft.com/office/powerpoint/2010/main" val="4151033175"/>
       </p:ext>
     </p:extLst>
   </p:cSld>
@@ -5125,7 +5156,7 @@
           <a:p>
             <a:r>
               <a:rPr lang="en-US" dirty="0" smtClean="0"/>
-              <a:t>Example</a:t>
+              <a:t>Structural Metadata</a:t>
             </a:r>
             <a:endParaRPr lang="en-US" dirty="0"/>
           </a:p>
@@ -5146,14 +5177,29 @@
           <a:bodyPr/>
           <a:lstStyle/>
           <a:p>
-            <a:endParaRPr lang="en-US"/>
+            <a:pPr marL="0" indent="0">
+              <a:buNone/>
+            </a:pPr>
+            <a:r>
+              <a:rPr lang="en-US" dirty="0" smtClean="0"/>
+              <a:t>…indicates </a:t>
+            </a:r>
+            <a:r>
+              <a:rPr lang="en-US" dirty="0"/>
+              <a:t>how compound objects are put together, for example, how pages are ordered to form </a:t>
+            </a:r>
+            <a:r>
+              <a:rPr lang="en-US" dirty="0" smtClean="0"/>
+              <a:t>chapters, or, how different observation events were combined for a “set” of data observations, etc. </a:t>
+            </a:r>
+            <a:endParaRPr lang="en-US" dirty="0"/>
           </a:p>
         </p:txBody>
       </p:sp>
     </p:spTree>
     <p:extLst>
       <p:ext uri="{BB962C8B-B14F-4D97-AF65-F5344CB8AC3E}">
-        <p14:creationId xmlns:p14="http://schemas.microsoft.com/office/powerpoint/2010/main" val="3776700474"/>
+        <p14:creationId xmlns:p14="http://schemas.microsoft.com/office/powerpoint/2010/main" val="958778815"/>
       </p:ext>
     </p:extLst>
   </p:cSld>

--- a/Day_2/Day_2_Lectures/Day_2_Metadata_Intro.pptx
+++ b/Day_2/Day_2_Lectures/Day_2_Metadata_Intro.pptx
@@ -207,7 +207,7 @@
           <a:p>
             <a:fld id="{FD5488BC-0BC2-2345-90DB-DF6A22B533DA}" type="datetimeFigureOut">
               <a:rPr lang="en-US" smtClean="0"/>
-              <a:t>1/18/15</a:t>
+              <a:t>1/19/15</a:t>
             </a:fld>
             <a:endParaRPr lang="en-US"/>
           </a:p>
@@ -613,6 +613,100 @@
           <a:p>
             <a:r>
               <a:rPr lang="en-US" dirty="0" smtClean="0"/>
+              <a:t>NISO. (2004) Understanding Metadata.</a:t>
+            </a:r>
+          </a:p>
+          <a:p>
+            <a:r>
+              <a:rPr lang="en-US" smtClean="0"/>
+              <a:t>Bethesda, MD: NISO Press, pp.1-2.</a:t>
+            </a:r>
+            <a:endParaRPr lang="en-US" dirty="0"/>
+          </a:p>
+        </p:txBody>
+      </p:sp>
+      <p:sp>
+        <p:nvSpPr>
+          <p:cNvPr id="4" name="Slide Number Placeholder 3"/>
+          <p:cNvSpPr>
+            <a:spLocks noGrp="1"/>
+          </p:cNvSpPr>
+          <p:nvPr>
+            <p:ph type="sldNum" sz="quarter" idx="10"/>
+          </p:nvPr>
+        </p:nvSpPr>
+        <p:spPr/>
+        <p:txBody>
+          <a:bodyPr/>
+          <a:lstStyle/>
+          <a:p>
+            <a:fld id="{F14E18EE-E272-C844-A594-54C52B2566F2}" type="slidenum">
+              <a:rPr lang="en-US" smtClean="0"/>
+              <a:t>6</a:t>
+            </a:fld>
+            <a:endParaRPr lang="en-US"/>
+          </a:p>
+        </p:txBody>
+      </p:sp>
+    </p:spTree>
+    <p:extLst>
+      <p:ext uri="{BB962C8B-B14F-4D97-AF65-F5344CB8AC3E}">
+        <p14:creationId xmlns:p14="http://schemas.microsoft.com/office/powerpoint/2010/main" val="1016079148"/>
+      </p:ext>
+    </p:extLst>
+  </p:cSld>
+  <p:clrMapOvr>
+    <a:masterClrMapping/>
+  </p:clrMapOvr>
+</p:notes>
+</file>
+
+<file path=ppt/notesSlides/notesSlide3.xml><?xml version="1.0" encoding="utf-8"?>
+<p:notes xmlns:a="http://schemas.openxmlformats.org/drawingml/2006/main" xmlns:r="http://schemas.openxmlformats.org/officeDocument/2006/relationships" xmlns:p="http://schemas.openxmlformats.org/presentationml/2006/main">
+  <p:cSld>
+    <p:spTree>
+      <p:nvGrpSpPr>
+        <p:cNvPr id="1" name=""/>
+        <p:cNvGrpSpPr/>
+        <p:nvPr/>
+      </p:nvGrpSpPr>
+      <p:grpSpPr>
+        <a:xfrm>
+          <a:off x="0" y="0"/>
+          <a:ext cx="0" cy="0"/>
+          <a:chOff x="0" y="0"/>
+          <a:chExt cx="0" cy="0"/>
+        </a:xfrm>
+      </p:grpSpPr>
+      <p:sp>
+        <p:nvSpPr>
+          <p:cNvPr id="2" name="Slide Image Placeholder 1"/>
+          <p:cNvSpPr>
+            <a:spLocks noGrp="1" noRot="1" noChangeAspect="1"/>
+          </p:cNvSpPr>
+          <p:nvPr>
+            <p:ph type="sldImg"/>
+          </p:nvPr>
+        </p:nvSpPr>
+        <p:spPr/>
+      </p:sp>
+      <p:sp>
+        <p:nvSpPr>
+          <p:cNvPr id="3" name="Notes Placeholder 2"/>
+          <p:cNvSpPr>
+            <a:spLocks noGrp="1"/>
+          </p:cNvSpPr>
+          <p:nvPr>
+            <p:ph type="body" idx="1"/>
+          </p:nvPr>
+        </p:nvSpPr>
+        <p:spPr/>
+        <p:txBody>
+          <a:bodyPr/>
+          <a:lstStyle/>
+          <a:p>
+            <a:r>
+              <a:rPr lang="en-US" dirty="0" smtClean="0"/>
               <a:t>Where in this lifecycle do</a:t>
             </a:r>
             <a:r>
@@ -675,7 +769,7 @@
 </p:notes>
 </file>
 
-<file path=ppt/notesSlides/notesSlide3.xml><?xml version="1.0" encoding="utf-8"?>
+<file path=ppt/notesSlides/notesSlide4.xml><?xml version="1.0" encoding="utf-8"?>
 <p:notes xmlns:a="http://schemas.openxmlformats.org/drawingml/2006/main" xmlns:r="http://schemas.openxmlformats.org/officeDocument/2006/relationships" xmlns:p="http://schemas.openxmlformats.org/presentationml/2006/main">
   <p:cSld>
     <p:spTree>
@@ -953,7 +1047,7 @@
           <a:p>
             <a:fld id="{9D6228D5-5F93-BB4A-964B-203967C46295}" type="datetimeFigureOut">
               <a:rPr lang="en-US" smtClean="0"/>
-              <a:t>1/18/15</a:t>
+              <a:t>1/19/15</a:t>
             </a:fld>
             <a:endParaRPr lang="en-US"/>
           </a:p>
@@ -1123,7 +1217,7 @@
           <a:p>
             <a:fld id="{9D6228D5-5F93-BB4A-964B-203967C46295}" type="datetimeFigureOut">
               <a:rPr lang="en-US" smtClean="0"/>
-              <a:t>1/18/15</a:t>
+              <a:t>1/19/15</a:t>
             </a:fld>
             <a:endParaRPr lang="en-US"/>
           </a:p>
@@ -1303,7 +1397,7 @@
           <a:p>
             <a:fld id="{9D6228D5-5F93-BB4A-964B-203967C46295}" type="datetimeFigureOut">
               <a:rPr lang="en-US" smtClean="0"/>
-              <a:t>1/18/15</a:t>
+              <a:t>1/19/15</a:t>
             </a:fld>
             <a:endParaRPr lang="en-US"/>
           </a:p>
@@ -1473,7 +1567,7 @@
           <a:p>
             <a:fld id="{9D6228D5-5F93-BB4A-964B-203967C46295}" type="datetimeFigureOut">
               <a:rPr lang="en-US" smtClean="0"/>
-              <a:t>1/18/15</a:t>
+              <a:t>1/19/15</a:t>
             </a:fld>
             <a:endParaRPr lang="en-US"/>
           </a:p>
@@ -1719,7 +1813,7 @@
           <a:p>
             <a:fld id="{9D6228D5-5F93-BB4A-964B-203967C46295}" type="datetimeFigureOut">
               <a:rPr lang="en-US" smtClean="0"/>
-              <a:t>1/18/15</a:t>
+              <a:t>1/19/15</a:t>
             </a:fld>
             <a:endParaRPr lang="en-US"/>
           </a:p>
@@ -2007,7 +2101,7 @@
           <a:p>
             <a:fld id="{9D6228D5-5F93-BB4A-964B-203967C46295}" type="datetimeFigureOut">
               <a:rPr lang="en-US" smtClean="0"/>
-              <a:t>1/18/15</a:t>
+              <a:t>1/19/15</a:t>
             </a:fld>
             <a:endParaRPr lang="en-US"/>
           </a:p>
@@ -2429,7 +2523,7 @@
           <a:p>
             <a:fld id="{9D6228D5-5F93-BB4A-964B-203967C46295}" type="datetimeFigureOut">
               <a:rPr lang="en-US" smtClean="0"/>
-              <a:t>1/18/15</a:t>
+              <a:t>1/19/15</a:t>
             </a:fld>
             <a:endParaRPr lang="en-US"/>
           </a:p>
@@ -2547,7 +2641,7 @@
           <a:p>
             <a:fld id="{9D6228D5-5F93-BB4A-964B-203967C46295}" type="datetimeFigureOut">
               <a:rPr lang="en-US" smtClean="0"/>
-              <a:t>1/18/15</a:t>
+              <a:t>1/19/15</a:t>
             </a:fld>
             <a:endParaRPr lang="en-US"/>
           </a:p>
@@ -2642,7 +2736,7 @@
           <a:p>
             <a:fld id="{9D6228D5-5F93-BB4A-964B-203967C46295}" type="datetimeFigureOut">
               <a:rPr lang="en-US" smtClean="0"/>
-              <a:t>1/18/15</a:t>
+              <a:t>1/19/15</a:t>
             </a:fld>
             <a:endParaRPr lang="en-US"/>
           </a:p>
@@ -2919,7 +3013,7 @@
           <a:p>
             <a:fld id="{9D6228D5-5F93-BB4A-964B-203967C46295}" type="datetimeFigureOut">
               <a:rPr lang="en-US" smtClean="0"/>
-              <a:t>1/18/15</a:t>
+              <a:t>1/19/15</a:t>
             </a:fld>
             <a:endParaRPr lang="en-US"/>
           </a:p>
@@ -3176,7 +3270,7 @@
           <a:p>
             <a:fld id="{9D6228D5-5F93-BB4A-964B-203967C46295}" type="datetimeFigureOut">
               <a:rPr lang="en-US" smtClean="0"/>
-              <a:t>1/18/15</a:t>
+              <a:t>1/19/15</a:t>
             </a:fld>
             <a:endParaRPr lang="en-US"/>
           </a:p>
@@ -3389,7 +3483,7 @@
           <a:p>
             <a:fld id="{9D6228D5-5F93-BB4A-964B-203967C46295}" type="datetimeFigureOut">
               <a:rPr lang="en-US" smtClean="0"/>
-              <a:t>1/18/15</a:t>
+              <a:t>1/19/15</a:t>
             </a:fld>
             <a:endParaRPr lang="en-US"/>
           </a:p>
@@ -4925,6 +5019,42 @@
             <a:r>
               <a:rPr lang="en-US" dirty="0" smtClean="0"/>
               <a:t>Preservation </a:t>
+            </a:r>
+          </a:p>
+        </p:txBody>
+      </p:sp>
+      <p:sp>
+        <p:nvSpPr>
+          <p:cNvPr id="4" name="Rectangle 3"/>
+          <p:cNvSpPr/>
+          <p:nvPr/>
+        </p:nvSpPr>
+        <p:spPr>
+          <a:xfrm>
+            <a:off x="4483063" y="5377157"/>
+            <a:ext cx="4572000" cy="246221"/>
+          </a:xfrm>
+          <a:prstGeom prst="rect">
+            <a:avLst/>
+          </a:prstGeom>
+        </p:spPr>
+        <p:txBody>
+          <a:bodyPr>
+            <a:spAutoFit/>
+          </a:bodyPr>
+          <a:lstStyle/>
+          <a:p>
+            <a:r>
+              <a:rPr lang="en-US" sz="1000" dirty="0"/>
+              <a:t>NISO. (2004) Understanding </a:t>
+            </a:r>
+            <a:r>
+              <a:rPr lang="en-US" sz="1000" dirty="0" smtClean="0"/>
+              <a:t>Metadata. Bethesda</a:t>
+            </a:r>
+            <a:r>
+              <a:rPr lang="en-US" sz="1000" dirty="0"/>
+              <a:t>, MD: NISO Press, pp.1-2.</a:t>
             </a:r>
           </a:p>
         </p:txBody>

--- a/Day_2/Day_2_Lectures/Day_2_Metadata_Intro.pptx
+++ b/Day_2/Day_2_Lectures/Day_2_Metadata_Intro.pptx
@@ -5,7 +5,7 @@
     <p:sldMasterId id="2147483648" r:id="rId1"/>
   </p:sldMasterIdLst>
   <p:notesMasterIdLst>
-    <p:notesMasterId r:id="rId18"/>
+    <p:notesMasterId r:id="rId21"/>
   </p:notesMasterIdLst>
   <p:sldIdLst>
     <p:sldId id="256" r:id="rId2"/>
@@ -21,9 +21,12 @@
     <p:sldId id="264" r:id="rId12"/>
     <p:sldId id="265" r:id="rId13"/>
     <p:sldId id="266" r:id="rId14"/>
-    <p:sldId id="267" r:id="rId15"/>
-    <p:sldId id="270" r:id="rId16"/>
-    <p:sldId id="271" r:id="rId17"/>
+    <p:sldId id="273" r:id="rId15"/>
+    <p:sldId id="275" r:id="rId16"/>
+    <p:sldId id="274" r:id="rId17"/>
+    <p:sldId id="267" r:id="rId18"/>
+    <p:sldId id="270" r:id="rId19"/>
+    <p:sldId id="271" r:id="rId20"/>
   </p:sldIdLst>
   <p:sldSz cx="9144000" cy="6858000" type="screen4x3"/>
   <p:notesSz cx="6858000" cy="9144000"/>
@@ -707,29 +710,33 @@
           <a:p>
             <a:r>
               <a:rPr lang="en-US" dirty="0" smtClean="0"/>
-              <a:t>Where in this lifecycle do</a:t>
-            </a:r>
-            <a:r>
-              <a:rPr lang="en-US" baseline="0" dirty="0" smtClean="0"/>
-              <a:t> we create metadata? Creating and </a:t>
-            </a:r>
-            <a:r>
-              <a:rPr lang="en-US" baseline="0" dirty="0" err="1" smtClean="0"/>
-              <a:t>recieiving</a:t>
-            </a:r>
-            <a:r>
-              <a:rPr lang="en-US" baseline="0" dirty="0" smtClean="0"/>
-              <a:t> data – ingesting into a new data management environment – any time we perform a preservation action we create metadata – and any time the data are reused, there is likely additional linkages to be created or maintained. </a:t>
-            </a:r>
-          </a:p>
-          <a:p>
-            <a:endParaRPr lang="en-US" baseline="0" dirty="0" smtClean="0"/>
-          </a:p>
-          <a:p>
-            <a:r>
-              <a:rPr lang="en-US" baseline="0" dirty="0" smtClean="0"/>
-              <a:t>Different actors have different roles In the creation of metadata in this lifecycle</a:t>
-            </a:r>
+              <a:t>See http://</a:t>
+            </a:r>
+            <a:r>
+              <a:rPr lang="en-US" dirty="0" err="1" smtClean="0"/>
+              <a:t>www.slideshare.net</a:t>
+            </a:r>
+            <a:r>
+              <a:rPr lang="en-US" dirty="0" smtClean="0"/>
+              <a:t>/</a:t>
+            </a:r>
+            <a:r>
+              <a:rPr lang="en-US" dirty="0" err="1" smtClean="0"/>
+              <a:t>jenlrile</a:t>
+            </a:r>
+            <a:r>
+              <a:rPr lang="en-US" dirty="0" smtClean="0"/>
+              <a:t>/</a:t>
+            </a:r>
+            <a:r>
+              <a:rPr lang="en-US" dirty="0" err="1" smtClean="0"/>
+              <a:t>premis</a:t>
+            </a:r>
+            <a:r>
+              <a:rPr lang="en-US" dirty="0" smtClean="0"/>
+              <a:t> for more info. </a:t>
+            </a:r>
+            <a:endParaRPr lang="en-US" dirty="0"/>
           </a:p>
         </p:txBody>
       </p:sp>
@@ -750,7 +757,7 @@
           <a:p>
             <a:fld id="{F14E18EE-E272-C844-A594-54C52B2566F2}" type="slidenum">
               <a:rPr lang="en-US" smtClean="0"/>
-              <a:t>15</a:t>
+              <a:t>13</a:t>
             </a:fld>
             <a:endParaRPr lang="en-US"/>
           </a:p>
@@ -759,7 +766,7 @@
     </p:spTree>
     <p:extLst>
       <p:ext uri="{BB962C8B-B14F-4D97-AF65-F5344CB8AC3E}">
-        <p14:creationId xmlns:p14="http://schemas.microsoft.com/office/powerpoint/2010/main" val="3851165469"/>
+        <p14:creationId xmlns:p14="http://schemas.microsoft.com/office/powerpoint/2010/main" val="2276015800"/>
       </p:ext>
     </p:extLst>
   </p:cSld>
@@ -813,6 +820,290 @@
           <a:bodyPr/>
           <a:lstStyle/>
           <a:p>
+            <a:endParaRPr lang="en-US" dirty="0"/>
+          </a:p>
+        </p:txBody>
+      </p:sp>
+      <p:sp>
+        <p:nvSpPr>
+          <p:cNvPr id="4" name="Slide Number Placeholder 3"/>
+          <p:cNvSpPr>
+            <a:spLocks noGrp="1"/>
+          </p:cNvSpPr>
+          <p:nvPr>
+            <p:ph type="sldNum" sz="quarter" idx="10"/>
+          </p:nvPr>
+        </p:nvSpPr>
+        <p:spPr/>
+        <p:txBody>
+          <a:bodyPr/>
+          <a:lstStyle/>
+          <a:p>
+            <a:fld id="{F14E18EE-E272-C844-A594-54C52B2566F2}" type="slidenum">
+              <a:rPr lang="en-US" smtClean="0"/>
+              <a:t>14</a:t>
+            </a:fld>
+            <a:endParaRPr lang="en-US"/>
+          </a:p>
+        </p:txBody>
+      </p:sp>
+    </p:spTree>
+    <p:extLst>
+      <p:ext uri="{BB962C8B-B14F-4D97-AF65-F5344CB8AC3E}">
+        <p14:creationId xmlns:p14="http://schemas.microsoft.com/office/powerpoint/2010/main" val="917846839"/>
+      </p:ext>
+    </p:extLst>
+  </p:cSld>
+  <p:clrMapOvr>
+    <a:masterClrMapping/>
+  </p:clrMapOvr>
+</p:notes>
+</file>
+
+<file path=ppt/notesSlides/notesSlide5.xml><?xml version="1.0" encoding="utf-8"?>
+<p:notes xmlns:a="http://schemas.openxmlformats.org/drawingml/2006/main" xmlns:r="http://schemas.openxmlformats.org/officeDocument/2006/relationships" xmlns:p="http://schemas.openxmlformats.org/presentationml/2006/main">
+  <p:cSld>
+    <p:spTree>
+      <p:nvGrpSpPr>
+        <p:cNvPr id="1" name=""/>
+        <p:cNvGrpSpPr/>
+        <p:nvPr/>
+      </p:nvGrpSpPr>
+      <p:grpSpPr>
+        <a:xfrm>
+          <a:off x="0" y="0"/>
+          <a:ext cx="0" cy="0"/>
+          <a:chOff x="0" y="0"/>
+          <a:chExt cx="0" cy="0"/>
+        </a:xfrm>
+      </p:grpSpPr>
+      <p:sp>
+        <p:nvSpPr>
+          <p:cNvPr id="2" name="Slide Image Placeholder 1"/>
+          <p:cNvSpPr>
+            <a:spLocks noGrp="1" noRot="1" noChangeAspect="1"/>
+          </p:cNvSpPr>
+          <p:nvPr>
+            <p:ph type="sldImg"/>
+          </p:nvPr>
+        </p:nvSpPr>
+        <p:spPr/>
+      </p:sp>
+      <p:sp>
+        <p:nvSpPr>
+          <p:cNvPr id="3" name="Notes Placeholder 2"/>
+          <p:cNvSpPr>
+            <a:spLocks noGrp="1"/>
+          </p:cNvSpPr>
+          <p:nvPr>
+            <p:ph type="body" idx="1"/>
+          </p:nvPr>
+        </p:nvSpPr>
+        <p:spPr/>
+        <p:txBody>
+          <a:bodyPr/>
+          <a:lstStyle/>
+          <a:p>
+            <a:r>
+              <a:rPr lang="en-US" dirty="0" smtClean="0"/>
+              <a:t>As scholarship</a:t>
+            </a:r>
+            <a:r>
+              <a:rPr lang="en-US" baseline="0" dirty="0" smtClean="0"/>
+              <a:t> begins to happen on the web, this is the evolution of this model …. From </a:t>
+            </a:r>
+            <a:endParaRPr lang="en-US" dirty="0"/>
+          </a:p>
+        </p:txBody>
+      </p:sp>
+      <p:sp>
+        <p:nvSpPr>
+          <p:cNvPr id="4" name="Slide Number Placeholder 3"/>
+          <p:cNvSpPr>
+            <a:spLocks noGrp="1"/>
+          </p:cNvSpPr>
+          <p:nvPr>
+            <p:ph type="sldNum" sz="quarter" idx="10"/>
+          </p:nvPr>
+        </p:nvSpPr>
+        <p:spPr/>
+        <p:txBody>
+          <a:bodyPr/>
+          <a:lstStyle/>
+          <a:p>
+            <a:fld id="{F14E18EE-E272-C844-A594-54C52B2566F2}" type="slidenum">
+              <a:rPr lang="en-US" smtClean="0"/>
+              <a:t>15</a:t>
+            </a:fld>
+            <a:endParaRPr lang="en-US"/>
+          </a:p>
+        </p:txBody>
+      </p:sp>
+    </p:spTree>
+    <p:extLst>
+      <p:ext uri="{BB962C8B-B14F-4D97-AF65-F5344CB8AC3E}">
+        <p14:creationId xmlns:p14="http://schemas.microsoft.com/office/powerpoint/2010/main" val="917846839"/>
+      </p:ext>
+    </p:extLst>
+  </p:cSld>
+  <p:clrMapOvr>
+    <a:masterClrMapping/>
+  </p:clrMapOvr>
+</p:notes>
+</file>
+
+<file path=ppt/notesSlides/notesSlide6.xml><?xml version="1.0" encoding="utf-8"?>
+<p:notes xmlns:a="http://schemas.openxmlformats.org/drawingml/2006/main" xmlns:r="http://schemas.openxmlformats.org/officeDocument/2006/relationships" xmlns:p="http://schemas.openxmlformats.org/presentationml/2006/main">
+  <p:cSld>
+    <p:spTree>
+      <p:nvGrpSpPr>
+        <p:cNvPr id="1" name=""/>
+        <p:cNvGrpSpPr/>
+        <p:nvPr/>
+      </p:nvGrpSpPr>
+      <p:grpSpPr>
+        <a:xfrm>
+          <a:off x="0" y="0"/>
+          <a:ext cx="0" cy="0"/>
+          <a:chOff x="0" y="0"/>
+          <a:chExt cx="0" cy="0"/>
+        </a:xfrm>
+      </p:grpSpPr>
+      <p:sp>
+        <p:nvSpPr>
+          <p:cNvPr id="2" name="Slide Image Placeholder 1"/>
+          <p:cNvSpPr>
+            <a:spLocks noGrp="1" noRot="1" noChangeAspect="1"/>
+          </p:cNvSpPr>
+          <p:nvPr>
+            <p:ph type="sldImg"/>
+          </p:nvPr>
+        </p:nvSpPr>
+        <p:spPr/>
+      </p:sp>
+      <p:sp>
+        <p:nvSpPr>
+          <p:cNvPr id="3" name="Notes Placeholder 2"/>
+          <p:cNvSpPr>
+            <a:spLocks noGrp="1"/>
+          </p:cNvSpPr>
+          <p:nvPr>
+            <p:ph type="body" idx="1"/>
+          </p:nvPr>
+        </p:nvSpPr>
+        <p:spPr/>
+        <p:txBody>
+          <a:bodyPr/>
+          <a:lstStyle/>
+          <a:p>
+            <a:r>
+              <a:rPr lang="en-US" dirty="0" smtClean="0"/>
+              <a:t>Where in this lifecycle do</a:t>
+            </a:r>
+            <a:r>
+              <a:rPr lang="en-US" baseline="0" dirty="0" smtClean="0"/>
+              <a:t> we create metadata? Creating and </a:t>
+            </a:r>
+            <a:r>
+              <a:rPr lang="en-US" baseline="0" dirty="0" err="1" smtClean="0"/>
+              <a:t>recieiving</a:t>
+            </a:r>
+            <a:r>
+              <a:rPr lang="en-US" baseline="0" dirty="0" smtClean="0"/>
+              <a:t> data – ingesting into a new data management environment – any time we perform a preservation action we create metadata – and any time the data are reused, there is likely additional linkages to be created or maintained. </a:t>
+            </a:r>
+          </a:p>
+          <a:p>
+            <a:endParaRPr lang="en-US" baseline="0" dirty="0" smtClean="0"/>
+          </a:p>
+          <a:p>
+            <a:r>
+              <a:rPr lang="en-US" baseline="0" dirty="0" smtClean="0"/>
+              <a:t>Different actors have different roles In the creation of metadata in this lifecycle</a:t>
+            </a:r>
+          </a:p>
+        </p:txBody>
+      </p:sp>
+      <p:sp>
+        <p:nvSpPr>
+          <p:cNvPr id="4" name="Slide Number Placeholder 3"/>
+          <p:cNvSpPr>
+            <a:spLocks noGrp="1"/>
+          </p:cNvSpPr>
+          <p:nvPr>
+            <p:ph type="sldNum" sz="quarter" idx="10"/>
+          </p:nvPr>
+        </p:nvSpPr>
+        <p:spPr/>
+        <p:txBody>
+          <a:bodyPr/>
+          <a:lstStyle/>
+          <a:p>
+            <a:fld id="{F14E18EE-E272-C844-A594-54C52B2566F2}" type="slidenum">
+              <a:rPr lang="en-US" smtClean="0"/>
+              <a:t>18</a:t>
+            </a:fld>
+            <a:endParaRPr lang="en-US"/>
+          </a:p>
+        </p:txBody>
+      </p:sp>
+    </p:spTree>
+    <p:extLst>
+      <p:ext uri="{BB962C8B-B14F-4D97-AF65-F5344CB8AC3E}">
+        <p14:creationId xmlns:p14="http://schemas.microsoft.com/office/powerpoint/2010/main" val="3851165469"/>
+      </p:ext>
+    </p:extLst>
+  </p:cSld>
+  <p:clrMapOvr>
+    <a:masterClrMapping/>
+  </p:clrMapOvr>
+</p:notes>
+</file>
+
+<file path=ppt/notesSlides/notesSlide7.xml><?xml version="1.0" encoding="utf-8"?>
+<p:notes xmlns:a="http://schemas.openxmlformats.org/drawingml/2006/main" xmlns:r="http://schemas.openxmlformats.org/officeDocument/2006/relationships" xmlns:p="http://schemas.openxmlformats.org/presentationml/2006/main">
+  <p:cSld>
+    <p:spTree>
+      <p:nvGrpSpPr>
+        <p:cNvPr id="1" name=""/>
+        <p:cNvGrpSpPr/>
+        <p:nvPr/>
+      </p:nvGrpSpPr>
+      <p:grpSpPr>
+        <a:xfrm>
+          <a:off x="0" y="0"/>
+          <a:ext cx="0" cy="0"/>
+          <a:chOff x="0" y="0"/>
+          <a:chExt cx="0" cy="0"/>
+        </a:xfrm>
+      </p:grpSpPr>
+      <p:sp>
+        <p:nvSpPr>
+          <p:cNvPr id="2" name="Slide Image Placeholder 1"/>
+          <p:cNvSpPr>
+            <a:spLocks noGrp="1" noRot="1" noChangeAspect="1"/>
+          </p:cNvSpPr>
+          <p:nvPr>
+            <p:ph type="sldImg"/>
+          </p:nvPr>
+        </p:nvSpPr>
+        <p:spPr/>
+      </p:sp>
+      <p:sp>
+        <p:nvSpPr>
+          <p:cNvPr id="3" name="Notes Placeholder 2"/>
+          <p:cNvSpPr>
+            <a:spLocks noGrp="1"/>
+          </p:cNvSpPr>
+          <p:nvPr>
+            <p:ph type="body" idx="1"/>
+          </p:nvPr>
+        </p:nvSpPr>
+        <p:spPr/>
+        <p:txBody>
+          <a:bodyPr/>
+          <a:lstStyle/>
+          <a:p>
             <a:r>
               <a:rPr lang="en-US" dirty="0" smtClean="0"/>
               <a:t>What your</a:t>
@@ -847,7 +1138,7 @@
           <a:p>
             <a:fld id="{F14E18EE-E272-C844-A594-54C52B2566F2}" type="slidenum">
               <a:rPr lang="en-US" smtClean="0"/>
-              <a:t>16</a:t>
+              <a:t>19</a:t>
             </a:fld>
             <a:endParaRPr lang="en-US"/>
           </a:p>
@@ -4267,7 +4558,45 @@
           <a:bodyPr/>
           <a:lstStyle/>
           <a:p>
-            <a:endParaRPr lang="en-US"/>
+            <a:pPr marL="0" indent="0">
+              <a:buNone/>
+            </a:pPr>
+            <a:r>
+              <a:rPr lang="en-US" dirty="0" smtClean="0"/>
+              <a:t>2003 OCLC + RLG created Preservation Metadata Implementation Strategy working group</a:t>
+            </a:r>
+          </a:p>
+          <a:p>
+            <a:pPr marL="0" indent="0">
+              <a:buNone/>
+            </a:pPr>
+            <a:endParaRPr lang="en-US" dirty="0"/>
+          </a:p>
+          <a:p>
+            <a:pPr marL="0" indent="0">
+              <a:buNone/>
+            </a:pPr>
+            <a:r>
+              <a:rPr lang="en-US" dirty="0" smtClean="0"/>
+              <a:t>Builds upon fundamentals of OAIS</a:t>
+            </a:r>
+            <a:endParaRPr lang="en-US" dirty="0"/>
+          </a:p>
+          <a:p>
+            <a:pPr marL="0" indent="0">
+              <a:buNone/>
+            </a:pPr>
+            <a:endParaRPr lang="en-US" dirty="0" smtClean="0"/>
+          </a:p>
+          <a:p>
+            <a:pPr marL="0" indent="0">
+              <a:buNone/>
+            </a:pPr>
+            <a:r>
+              <a:rPr lang="en-US" dirty="0" smtClean="0"/>
+              <a:t>Produced: data vocabulary, data dictionary, and data model</a:t>
+            </a:r>
+            <a:endParaRPr lang="en-US" dirty="0"/>
           </a:p>
         </p:txBody>
       </p:sp>
@@ -4318,6 +4647,324 @@
           <a:p>
             <a:r>
               <a:rPr lang="en-US" dirty="0" smtClean="0"/>
+              <a:t>PREMIS: Data Model</a:t>
+            </a:r>
+            <a:endParaRPr lang="en-US" dirty="0"/>
+          </a:p>
+        </p:txBody>
+      </p:sp>
+      <p:sp>
+        <p:nvSpPr>
+          <p:cNvPr id="5" name="TextBox 4"/>
+          <p:cNvSpPr txBox="1"/>
+          <p:nvPr/>
+        </p:nvSpPr>
+        <p:spPr>
+          <a:xfrm>
+            <a:off x="937261" y="1895762"/>
+            <a:ext cx="7638141" cy="369332"/>
+          </a:xfrm>
+          <a:prstGeom prst="rect">
+            <a:avLst/>
+          </a:prstGeom>
+          <a:noFill/>
+        </p:spPr>
+        <p:txBody>
+          <a:bodyPr wrap="none" rtlCol="0">
+            <a:spAutoFit/>
+          </a:bodyPr>
+          <a:lstStyle/>
+          <a:p>
+            <a:r>
+              <a:rPr lang="en-US" dirty="0" smtClean="0"/>
+              <a:t>Captures information that “supports and documents digital preservation process”</a:t>
+            </a:r>
+            <a:endParaRPr lang="en-US" dirty="0"/>
+          </a:p>
+        </p:txBody>
+      </p:sp>
+      <p:pic>
+        <p:nvPicPr>
+          <p:cNvPr id="6" name="Picture 5" descr="Screen Shot 2015-01-19 at 12.09.34 PM.png"/>
+          <p:cNvPicPr>
+            <a:picLocks noChangeAspect="1"/>
+          </p:cNvPicPr>
+          <p:nvPr/>
+        </p:nvPicPr>
+        <p:blipFill>
+          <a:blip r:embed="rId3">
+            <a:extLst>
+              <a:ext uri="{28A0092B-C50C-407E-A947-70E740481C1C}">
+                <a14:useLocalDpi xmlns:a14="http://schemas.microsoft.com/office/drawing/2010/main" val="0"/>
+              </a:ext>
+            </a:extLst>
+          </a:blip>
+          <a:stretch>
+            <a:fillRect/>
+          </a:stretch>
+        </p:blipFill>
+        <p:spPr>
+          <a:xfrm>
+            <a:off x="2494139" y="2462650"/>
+            <a:ext cx="4325056" cy="3153303"/>
+          </a:xfrm>
+          <a:prstGeom prst="rect">
+            <a:avLst/>
+          </a:prstGeom>
+        </p:spPr>
+      </p:pic>
+    </p:spTree>
+    <p:extLst>
+      <p:ext uri="{BB962C8B-B14F-4D97-AF65-F5344CB8AC3E}">
+        <p14:creationId xmlns:p14="http://schemas.microsoft.com/office/powerpoint/2010/main" val="2657233610"/>
+      </p:ext>
+    </p:extLst>
+  </p:cSld>
+  <p:clrMapOvr>
+    <a:masterClrMapping/>
+  </p:clrMapOvr>
+</p:sld>
+</file>
+
+<file path=ppt/slides/slide15.xml><?xml version="1.0" encoding="utf-8"?>
+<p:sld xmlns:a="http://schemas.openxmlformats.org/drawingml/2006/main" xmlns:r="http://schemas.openxmlformats.org/officeDocument/2006/relationships" xmlns:p="http://schemas.openxmlformats.org/presentationml/2006/main">
+  <p:cSld>
+    <p:spTree>
+      <p:nvGrpSpPr>
+        <p:cNvPr id="1" name=""/>
+        <p:cNvGrpSpPr/>
+        <p:nvPr/>
+      </p:nvGrpSpPr>
+      <p:grpSpPr>
+        <a:xfrm>
+          <a:off x="0" y="0"/>
+          <a:ext cx="0" cy="0"/>
+          <a:chOff x="0" y="0"/>
+          <a:chExt cx="0" cy="0"/>
+        </a:xfrm>
+      </p:grpSpPr>
+      <p:sp>
+        <p:nvSpPr>
+          <p:cNvPr id="2" name="Title 1"/>
+          <p:cNvSpPr>
+            <a:spLocks noGrp="1"/>
+          </p:cNvSpPr>
+          <p:nvPr>
+            <p:ph type="title"/>
+          </p:nvPr>
+        </p:nvSpPr>
+        <p:spPr/>
+        <p:txBody>
+          <a:bodyPr/>
+          <a:lstStyle/>
+          <a:p>
+            <a:r>
+              <a:rPr lang="en-US" dirty="0" smtClean="0"/>
+              <a:t>Evolution of a Standard</a:t>
+            </a:r>
+            <a:endParaRPr lang="en-US" dirty="0"/>
+          </a:p>
+        </p:txBody>
+      </p:sp>
+      <p:sp>
+        <p:nvSpPr>
+          <p:cNvPr id="5" name="TextBox 4"/>
+          <p:cNvSpPr txBox="1"/>
+          <p:nvPr/>
+        </p:nvSpPr>
+        <p:spPr>
+          <a:xfrm>
+            <a:off x="937261" y="1895762"/>
+            <a:ext cx="7638141" cy="369332"/>
+          </a:xfrm>
+          <a:prstGeom prst="rect">
+            <a:avLst/>
+          </a:prstGeom>
+          <a:noFill/>
+        </p:spPr>
+        <p:txBody>
+          <a:bodyPr wrap="none" rtlCol="0">
+            <a:spAutoFit/>
+          </a:bodyPr>
+          <a:lstStyle/>
+          <a:p>
+            <a:r>
+              <a:rPr lang="en-US" dirty="0" smtClean="0"/>
+              <a:t>Captures information that “supports and documents digital preservation process”</a:t>
+            </a:r>
+            <a:endParaRPr lang="en-US" dirty="0"/>
+          </a:p>
+        </p:txBody>
+      </p:sp>
+      <p:pic>
+        <p:nvPicPr>
+          <p:cNvPr id="6" name="Picture 5" descr="Screen Shot 2015-01-19 at 12.09.34 PM.png"/>
+          <p:cNvPicPr>
+            <a:picLocks noChangeAspect="1"/>
+          </p:cNvPicPr>
+          <p:nvPr/>
+        </p:nvPicPr>
+        <p:blipFill>
+          <a:blip r:embed="rId3">
+            <a:extLst>
+              <a:ext uri="{28A0092B-C50C-407E-A947-70E740481C1C}">
+                <a14:useLocalDpi xmlns:a14="http://schemas.microsoft.com/office/drawing/2010/main" val="0"/>
+              </a:ext>
+            </a:extLst>
+          </a:blip>
+          <a:stretch>
+            <a:fillRect/>
+          </a:stretch>
+        </p:blipFill>
+        <p:spPr>
+          <a:xfrm>
+            <a:off x="255176" y="2396798"/>
+            <a:ext cx="4325056" cy="3153303"/>
+          </a:xfrm>
+          <a:prstGeom prst="rect">
+            <a:avLst/>
+          </a:prstGeom>
+        </p:spPr>
+      </p:pic>
+      <p:pic>
+        <p:nvPicPr>
+          <p:cNvPr id="7" name="Picture 6"/>
+          <p:cNvPicPr>
+            <a:picLocks noChangeAspect="1"/>
+          </p:cNvPicPr>
+          <p:nvPr/>
+        </p:nvPicPr>
+        <p:blipFill>
+          <a:blip r:embed="rId4"/>
+          <a:stretch>
+            <a:fillRect/>
+          </a:stretch>
+        </p:blipFill>
+        <p:spPr>
+          <a:xfrm>
+            <a:off x="4731373" y="2556724"/>
+            <a:ext cx="4104579" cy="2536043"/>
+          </a:xfrm>
+          <a:prstGeom prst="rect">
+            <a:avLst/>
+          </a:prstGeom>
+        </p:spPr>
+      </p:pic>
+    </p:spTree>
+    <p:extLst>
+      <p:ext uri="{BB962C8B-B14F-4D97-AF65-F5344CB8AC3E}">
+        <p14:creationId xmlns:p14="http://schemas.microsoft.com/office/powerpoint/2010/main" val="2114814243"/>
+      </p:ext>
+    </p:extLst>
+  </p:cSld>
+  <p:clrMapOvr>
+    <a:masterClrMapping/>
+  </p:clrMapOvr>
+</p:sld>
+</file>
+
+<file path=ppt/slides/slide16.xml><?xml version="1.0" encoding="utf-8"?>
+<p:sld xmlns:a="http://schemas.openxmlformats.org/drawingml/2006/main" xmlns:r="http://schemas.openxmlformats.org/officeDocument/2006/relationships" xmlns:p="http://schemas.openxmlformats.org/presentationml/2006/main">
+  <p:cSld>
+    <p:spTree>
+      <p:nvGrpSpPr>
+        <p:cNvPr id="1" name=""/>
+        <p:cNvGrpSpPr/>
+        <p:nvPr/>
+      </p:nvGrpSpPr>
+      <p:grpSpPr>
+        <a:xfrm>
+          <a:off x="0" y="0"/>
+          <a:ext cx="0" cy="0"/>
+          <a:chOff x="0" y="0"/>
+          <a:chExt cx="0" cy="0"/>
+        </a:xfrm>
+      </p:grpSpPr>
+      <p:sp>
+        <p:nvSpPr>
+          <p:cNvPr id="2" name="Title 1"/>
+          <p:cNvSpPr>
+            <a:spLocks noGrp="1"/>
+          </p:cNvSpPr>
+          <p:nvPr>
+            <p:ph type="title"/>
+          </p:nvPr>
+        </p:nvSpPr>
+        <p:spPr/>
+        <p:txBody>
+          <a:bodyPr/>
+          <a:lstStyle/>
+          <a:p>
+            <a:endParaRPr lang="en-US"/>
+          </a:p>
+        </p:txBody>
+      </p:sp>
+      <p:sp>
+        <p:nvSpPr>
+          <p:cNvPr id="3" name="Content Placeholder 2"/>
+          <p:cNvSpPr>
+            <a:spLocks noGrp="1"/>
+          </p:cNvSpPr>
+          <p:nvPr>
+            <p:ph idx="1"/>
+          </p:nvPr>
+        </p:nvSpPr>
+        <p:spPr/>
+        <p:txBody>
+          <a:bodyPr/>
+          <a:lstStyle/>
+          <a:p>
+            <a:endParaRPr lang="en-US"/>
+          </a:p>
+        </p:txBody>
+      </p:sp>
+    </p:spTree>
+    <p:extLst>
+      <p:ext uri="{BB962C8B-B14F-4D97-AF65-F5344CB8AC3E}">
+        <p14:creationId xmlns:p14="http://schemas.microsoft.com/office/powerpoint/2010/main" val="152587324"/>
+      </p:ext>
+    </p:extLst>
+  </p:cSld>
+  <p:clrMapOvr>
+    <a:masterClrMapping/>
+  </p:clrMapOvr>
+</p:sld>
+</file>
+
+<file path=ppt/slides/slide17.xml><?xml version="1.0" encoding="utf-8"?>
+<p:sld xmlns:a="http://schemas.openxmlformats.org/drawingml/2006/main" xmlns:r="http://schemas.openxmlformats.org/officeDocument/2006/relationships" xmlns:p="http://schemas.openxmlformats.org/presentationml/2006/main">
+  <p:cSld>
+    <p:spTree>
+      <p:nvGrpSpPr>
+        <p:cNvPr id="1" name=""/>
+        <p:cNvGrpSpPr/>
+        <p:nvPr/>
+      </p:nvGrpSpPr>
+      <p:grpSpPr>
+        <a:xfrm>
+          <a:off x="0" y="0"/>
+          <a:ext cx="0" cy="0"/>
+          <a:chOff x="0" y="0"/>
+          <a:chExt cx="0" cy="0"/>
+        </a:xfrm>
+      </p:grpSpPr>
+      <p:sp>
+        <p:nvSpPr>
+          <p:cNvPr id="2" name="Title 1"/>
+          <p:cNvSpPr>
+            <a:spLocks noGrp="1"/>
+          </p:cNvSpPr>
+          <p:nvPr>
+            <p:ph type="title"/>
+          </p:nvPr>
+        </p:nvSpPr>
+        <p:spPr/>
+        <p:txBody>
+          <a:bodyPr/>
+          <a:lstStyle/>
+          <a:p>
+            <a:r>
+              <a:rPr lang="en-US" dirty="0" smtClean="0"/>
               <a:t>IP Metadata</a:t>
             </a:r>
             <a:endParaRPr lang="en-US" dirty="0"/>
@@ -4356,7 +5003,7 @@
 </p:sld>
 </file>
 
-<file path=ppt/slides/slide15.xml><?xml version="1.0" encoding="utf-8"?>
+<file path=ppt/slides/slide18.xml><?xml version="1.0" encoding="utf-8"?>
 <p:sld xmlns:a="http://schemas.openxmlformats.org/drawingml/2006/main" xmlns:r="http://schemas.openxmlformats.org/officeDocument/2006/relationships" xmlns:p="http://schemas.openxmlformats.org/presentationml/2006/main">
   <p:cSld>
     <p:spTree>
@@ -4416,7 +5063,7 @@
 </p:sld>
 </file>
 
-<file path=ppt/slides/slide16.xml><?xml version="1.0" encoding="utf-8"?>
+<file path=ppt/slides/slide19.xml><?xml version="1.0" encoding="utf-8"?>
 <p:sld xmlns:a="http://schemas.openxmlformats.org/drawingml/2006/main" xmlns:r="http://schemas.openxmlformats.org/officeDocument/2006/relationships" xmlns:p="http://schemas.openxmlformats.org/presentationml/2006/main">
   <p:cSld>
     <p:spTree>

--- a/Day_2/Day_2_Lectures/Day_2_Metadata_Intro.pptx
+++ b/Day_2/Day_2_Lectures/Day_2_Metadata_Intro.pptx
@@ -5,28 +5,29 @@
     <p:sldMasterId id="2147483648" r:id="rId1"/>
   </p:sldMasterIdLst>
   <p:notesMasterIdLst>
-    <p:notesMasterId r:id="rId21"/>
+    <p:notesMasterId r:id="rId22"/>
   </p:notesMasterIdLst>
   <p:sldIdLst>
     <p:sldId id="256" r:id="rId2"/>
     <p:sldId id="257" r:id="rId3"/>
     <p:sldId id="258" r:id="rId4"/>
     <p:sldId id="272" r:id="rId5"/>
-    <p:sldId id="269" r:id="rId6"/>
-    <p:sldId id="259" r:id="rId7"/>
-    <p:sldId id="260" r:id="rId8"/>
-    <p:sldId id="261" r:id="rId9"/>
-    <p:sldId id="262" r:id="rId10"/>
-    <p:sldId id="263" r:id="rId11"/>
-    <p:sldId id="264" r:id="rId12"/>
-    <p:sldId id="265" r:id="rId13"/>
-    <p:sldId id="266" r:id="rId14"/>
-    <p:sldId id="273" r:id="rId15"/>
-    <p:sldId id="275" r:id="rId16"/>
-    <p:sldId id="274" r:id="rId17"/>
-    <p:sldId id="267" r:id="rId18"/>
-    <p:sldId id="270" r:id="rId19"/>
-    <p:sldId id="271" r:id="rId20"/>
+    <p:sldId id="276" r:id="rId6"/>
+    <p:sldId id="269" r:id="rId7"/>
+    <p:sldId id="259" r:id="rId8"/>
+    <p:sldId id="260" r:id="rId9"/>
+    <p:sldId id="261" r:id="rId10"/>
+    <p:sldId id="277" r:id="rId11"/>
+    <p:sldId id="262" r:id="rId12"/>
+    <p:sldId id="263" r:id="rId13"/>
+    <p:sldId id="264" r:id="rId14"/>
+    <p:sldId id="265" r:id="rId15"/>
+    <p:sldId id="266" r:id="rId16"/>
+    <p:sldId id="273" r:id="rId17"/>
+    <p:sldId id="275" r:id="rId18"/>
+    <p:sldId id="274" r:id="rId19"/>
+    <p:sldId id="270" r:id="rId20"/>
+    <p:sldId id="271" r:id="rId21"/>
   </p:sldIdLst>
   <p:sldSz cx="9144000" cy="6858000" type="screen4x3"/>
   <p:notesSz cx="6858000" cy="9144000"/>
@@ -210,7 +211,7 @@
           <a:p>
             <a:fld id="{FD5488BC-0BC2-2345-90DB-DF6A22B533DA}" type="datetimeFigureOut">
               <a:rPr lang="en-US" smtClean="0"/>
-              <a:t>1/19/15</a:t>
+              <a:t>1/23/15</a:t>
             </a:fld>
             <a:endParaRPr lang="en-US"/>
           </a:p>
@@ -551,7 +552,7 @@
           <a:p>
             <a:fld id="{F14E18EE-E272-C844-A594-54C52B2566F2}" type="slidenum">
               <a:rPr lang="en-US" smtClean="0"/>
-              <a:t>5</a:t>
+              <a:t>6</a:t>
             </a:fld>
             <a:endParaRPr lang="en-US"/>
           </a:p>
@@ -645,7 +646,7 @@
           <a:p>
             <a:fld id="{F14E18EE-E272-C844-A594-54C52B2566F2}" type="slidenum">
               <a:rPr lang="en-US" smtClean="0"/>
-              <a:t>6</a:t>
+              <a:t>7</a:t>
             </a:fld>
             <a:endParaRPr lang="en-US"/>
           </a:p>
@@ -757,7 +758,7 @@
           <a:p>
             <a:fld id="{F14E18EE-E272-C844-A594-54C52B2566F2}" type="slidenum">
               <a:rPr lang="en-US" smtClean="0"/>
-              <a:t>13</a:t>
+              <a:t>15</a:t>
             </a:fld>
             <a:endParaRPr lang="en-US"/>
           </a:p>
@@ -841,7 +842,7 @@
           <a:p>
             <a:fld id="{F14E18EE-E272-C844-A594-54C52B2566F2}" type="slidenum">
               <a:rPr lang="en-US" smtClean="0"/>
-              <a:t>14</a:t>
+              <a:t>16</a:t>
             </a:fld>
             <a:endParaRPr lang="en-US"/>
           </a:p>
@@ -933,7 +934,7 @@
           <a:p>
             <a:fld id="{F14E18EE-E272-C844-A594-54C52B2566F2}" type="slidenum">
               <a:rPr lang="en-US" smtClean="0"/>
-              <a:t>15</a:t>
+              <a:t>17</a:t>
             </a:fld>
             <a:endParaRPr lang="en-US"/>
           </a:p>
@@ -1041,7 +1042,7 @@
           <a:p>
             <a:fld id="{F14E18EE-E272-C844-A594-54C52B2566F2}" type="slidenum">
               <a:rPr lang="en-US" smtClean="0"/>
-              <a:t>18</a:t>
+              <a:t>19</a:t>
             </a:fld>
             <a:endParaRPr lang="en-US"/>
           </a:p>
@@ -1138,7 +1139,7 @@
           <a:p>
             <a:fld id="{F14E18EE-E272-C844-A594-54C52B2566F2}" type="slidenum">
               <a:rPr lang="en-US" smtClean="0"/>
-              <a:t>19</a:t>
+              <a:t>20</a:t>
             </a:fld>
             <a:endParaRPr lang="en-US"/>
           </a:p>
@@ -1338,7 +1339,7 @@
           <a:p>
             <a:fld id="{9D6228D5-5F93-BB4A-964B-203967C46295}" type="datetimeFigureOut">
               <a:rPr lang="en-US" smtClean="0"/>
-              <a:t>1/19/15</a:t>
+              <a:t>1/23/15</a:t>
             </a:fld>
             <a:endParaRPr lang="en-US"/>
           </a:p>
@@ -1508,7 +1509,7 @@
           <a:p>
             <a:fld id="{9D6228D5-5F93-BB4A-964B-203967C46295}" type="datetimeFigureOut">
               <a:rPr lang="en-US" smtClean="0"/>
-              <a:t>1/19/15</a:t>
+              <a:t>1/23/15</a:t>
             </a:fld>
             <a:endParaRPr lang="en-US"/>
           </a:p>
@@ -1688,7 +1689,7 @@
           <a:p>
             <a:fld id="{9D6228D5-5F93-BB4A-964B-203967C46295}" type="datetimeFigureOut">
               <a:rPr lang="en-US" smtClean="0"/>
-              <a:t>1/19/15</a:t>
+              <a:t>1/23/15</a:t>
             </a:fld>
             <a:endParaRPr lang="en-US"/>
           </a:p>
@@ -1858,7 +1859,7 @@
           <a:p>
             <a:fld id="{9D6228D5-5F93-BB4A-964B-203967C46295}" type="datetimeFigureOut">
               <a:rPr lang="en-US" smtClean="0"/>
-              <a:t>1/19/15</a:t>
+              <a:t>1/23/15</a:t>
             </a:fld>
             <a:endParaRPr lang="en-US"/>
           </a:p>
@@ -2104,7 +2105,7 @@
           <a:p>
             <a:fld id="{9D6228D5-5F93-BB4A-964B-203967C46295}" type="datetimeFigureOut">
               <a:rPr lang="en-US" smtClean="0"/>
-              <a:t>1/19/15</a:t>
+              <a:t>1/23/15</a:t>
             </a:fld>
             <a:endParaRPr lang="en-US"/>
           </a:p>
@@ -2392,7 +2393,7 @@
           <a:p>
             <a:fld id="{9D6228D5-5F93-BB4A-964B-203967C46295}" type="datetimeFigureOut">
               <a:rPr lang="en-US" smtClean="0"/>
-              <a:t>1/19/15</a:t>
+              <a:t>1/23/15</a:t>
             </a:fld>
             <a:endParaRPr lang="en-US"/>
           </a:p>
@@ -2814,7 +2815,7 @@
           <a:p>
             <a:fld id="{9D6228D5-5F93-BB4A-964B-203967C46295}" type="datetimeFigureOut">
               <a:rPr lang="en-US" smtClean="0"/>
-              <a:t>1/19/15</a:t>
+              <a:t>1/23/15</a:t>
             </a:fld>
             <a:endParaRPr lang="en-US"/>
           </a:p>
@@ -2932,7 +2933,7 @@
           <a:p>
             <a:fld id="{9D6228D5-5F93-BB4A-964B-203967C46295}" type="datetimeFigureOut">
               <a:rPr lang="en-US" smtClean="0"/>
-              <a:t>1/19/15</a:t>
+              <a:t>1/23/15</a:t>
             </a:fld>
             <a:endParaRPr lang="en-US"/>
           </a:p>
@@ -3027,7 +3028,7 @@
           <a:p>
             <a:fld id="{9D6228D5-5F93-BB4A-964B-203967C46295}" type="datetimeFigureOut">
               <a:rPr lang="en-US" smtClean="0"/>
-              <a:t>1/19/15</a:t>
+              <a:t>1/23/15</a:t>
             </a:fld>
             <a:endParaRPr lang="en-US"/>
           </a:p>
@@ -3304,7 +3305,7 @@
           <a:p>
             <a:fld id="{9D6228D5-5F93-BB4A-964B-203967C46295}" type="datetimeFigureOut">
               <a:rPr lang="en-US" smtClean="0"/>
-              <a:t>1/19/15</a:t>
+              <a:t>1/23/15</a:t>
             </a:fld>
             <a:endParaRPr lang="en-US"/>
           </a:p>
@@ -3561,7 +3562,7 @@
           <a:p>
             <a:fld id="{9D6228D5-5F93-BB4A-964B-203967C46295}" type="datetimeFigureOut">
               <a:rPr lang="en-US" smtClean="0"/>
-              <a:t>1/19/15</a:t>
+              <a:t>1/23/15</a:t>
             </a:fld>
             <a:endParaRPr lang="en-US"/>
           </a:p>
@@ -3774,7 +3775,7 @@
           <a:p>
             <a:fld id="{9D6228D5-5F93-BB4A-964B-203967C46295}" type="datetimeFigureOut">
               <a:rPr lang="en-US" smtClean="0"/>
-              <a:t>1/19/15</a:t>
+              <a:t>1/23/15</a:t>
             </a:fld>
             <a:endParaRPr lang="en-US"/>
           </a:p>
@@ -4253,52 +4254,40 @@
           <a:chExt cx="0" cy="0"/>
         </a:xfrm>
       </p:grpSpPr>
-      <p:sp>
-        <p:nvSpPr>
-          <p:cNvPr id="2" name="Title 1"/>
-          <p:cNvSpPr>
-            <a:spLocks noGrp="1"/>
-          </p:cNvSpPr>
-          <p:nvPr>
-            <p:ph type="title"/>
-          </p:nvPr>
-        </p:nvSpPr>
-        <p:spPr/>
-        <p:txBody>
-          <a:bodyPr/>
-          <a:lstStyle/>
-          <a:p>
-            <a:r>
-              <a:rPr lang="en-US" dirty="0" smtClean="0"/>
-              <a:t>Example</a:t>
-            </a:r>
-            <a:endParaRPr lang="en-US" dirty="0"/>
-          </a:p>
-        </p:txBody>
-      </p:sp>
-      <p:sp>
-        <p:nvSpPr>
-          <p:cNvPr id="3" name="Content Placeholder 2"/>
-          <p:cNvSpPr>
-            <a:spLocks noGrp="1"/>
-          </p:cNvSpPr>
-          <p:nvPr>
-            <p:ph idx="1"/>
-          </p:nvPr>
-        </p:nvSpPr>
-        <p:spPr/>
-        <p:txBody>
-          <a:bodyPr/>
-          <a:lstStyle/>
-          <a:p>
-            <a:endParaRPr lang="en-US"/>
-          </a:p>
-        </p:txBody>
-      </p:sp>
+      <p:pic>
+        <p:nvPicPr>
+          <p:cNvPr id="4" name="Picture 3" descr="Screen Shot 2015-01-23 at 4.42.12 PM.png"/>
+          <p:cNvPicPr>
+            <a:picLocks noChangeAspect="1"/>
+          </p:cNvPicPr>
+          <p:nvPr/>
+        </p:nvPicPr>
+        <p:blipFill>
+          <a:blip r:embed="rId2">
+            <a:extLst>
+              <a:ext uri="{28A0092B-C50C-407E-A947-70E740481C1C}">
+                <a14:useLocalDpi xmlns:a14="http://schemas.microsoft.com/office/drawing/2010/main" val="0"/>
+              </a:ext>
+            </a:extLst>
+          </a:blip>
+          <a:stretch>
+            <a:fillRect/>
+          </a:stretch>
+        </p:blipFill>
+        <p:spPr>
+          <a:xfrm>
+            <a:off x="744792" y="1226147"/>
+            <a:ext cx="7591156" cy="3822162"/>
+          </a:xfrm>
+          <a:prstGeom prst="rect">
+            <a:avLst/>
+          </a:prstGeom>
+        </p:spPr>
+      </p:pic>
     </p:spTree>
     <p:extLst>
       <p:ext uri="{BB962C8B-B14F-4D97-AF65-F5344CB8AC3E}">
-        <p14:creationId xmlns:p14="http://schemas.microsoft.com/office/powerpoint/2010/main" val="3776700474"/>
+        <p14:creationId xmlns:p14="http://schemas.microsoft.com/office/powerpoint/2010/main" val="2141961428"/>
       </p:ext>
     </p:extLst>
   </p:cSld>
@@ -4342,7 +4331,7 @@
           <a:p>
             <a:r>
               <a:rPr lang="en-US" dirty="0" smtClean="0"/>
-              <a:t>Administrative Metadata</a:t>
+              <a:t>Structural Metadata</a:t>
             </a:r>
             <a:endParaRPr lang="en-US" dirty="0"/>
           </a:p>
@@ -4368,19 +4357,24 @@
             </a:pPr>
             <a:r>
               <a:rPr lang="en-US" dirty="0" smtClean="0"/>
-              <a:t>…provides </a:t>
+              <a:t>…indicates </a:t>
             </a:r>
             <a:r>
               <a:rPr lang="en-US" dirty="0"/>
-              <a:t>information to help manage a resource, such as when and how it was created, file type and other technical information, and who can access it. </a:t>
-            </a:r>
+              <a:t>how compound objects are put together, for example, how pages are ordered to form </a:t>
+            </a:r>
+            <a:r>
+              <a:rPr lang="en-US" dirty="0" smtClean="0"/>
+              <a:t>chapters, or, how different observation events were combined for a “set” of data observations, etc. </a:t>
+            </a:r>
+            <a:endParaRPr lang="en-US" dirty="0"/>
           </a:p>
         </p:txBody>
       </p:sp>
     </p:spTree>
     <p:extLst>
       <p:ext uri="{BB962C8B-B14F-4D97-AF65-F5344CB8AC3E}">
-        <p14:creationId xmlns:p14="http://schemas.microsoft.com/office/powerpoint/2010/main" val="2313017815"/>
+        <p14:creationId xmlns:p14="http://schemas.microsoft.com/office/powerpoint/2010/main" val="958778815"/>
       </p:ext>
     </p:extLst>
   </p:cSld>
@@ -4424,7 +4418,7 @@
           <a:p>
             <a:r>
               <a:rPr lang="en-US" dirty="0" smtClean="0"/>
-              <a:t>Subsets of Admin. Metadata</a:t>
+              <a:t>Example</a:t>
             </a:r>
             <a:endParaRPr lang="en-US" dirty="0"/>
           </a:p>
@@ -4449,47 +4443,17 @@
               <a:buNone/>
             </a:pPr>
             <a:r>
-              <a:rPr lang="en-US" b="1" dirty="0" smtClean="0"/>
-              <a:t>Rights </a:t>
-            </a:r>
-            <a:r>
-              <a:rPr lang="en-US" b="1" dirty="0"/>
-              <a:t>management metadata</a:t>
-            </a:r>
-            <a:r>
-              <a:rPr lang="en-US" dirty="0"/>
-              <a:t>, which deals with intellectual property rights,</a:t>
-            </a:r>
-          </a:p>
-          <a:p>
-            <a:pPr marL="0" indent="0">
-              <a:buNone/>
-            </a:pPr>
-            <a:endParaRPr lang="en-US" dirty="0" smtClean="0"/>
-          </a:p>
-          <a:p>
-            <a:pPr marL="0" indent="0">
-              <a:buNone/>
-            </a:pPr>
-            <a:r>
-              <a:rPr lang="en-US" b="1" dirty="0" smtClean="0"/>
-              <a:t>Preservation </a:t>
-            </a:r>
-            <a:r>
-              <a:rPr lang="en-US" b="1" dirty="0"/>
-              <a:t>metadata</a:t>
-            </a:r>
-            <a:r>
-              <a:rPr lang="en-US" dirty="0"/>
-              <a:t>, which contains information needed to archive and preserve a resource.</a:t>
-            </a:r>
+              <a:rPr lang="en-US" dirty="0" smtClean="0"/>
+              <a:t>METS</a:t>
+            </a:r>
+            <a:endParaRPr lang="en-US" dirty="0"/>
           </a:p>
         </p:txBody>
       </p:sp>
     </p:spTree>
     <p:extLst>
       <p:ext uri="{BB962C8B-B14F-4D97-AF65-F5344CB8AC3E}">
-        <p14:creationId xmlns:p14="http://schemas.microsoft.com/office/powerpoint/2010/main" val="1611966263"/>
+        <p14:creationId xmlns:p14="http://schemas.microsoft.com/office/powerpoint/2010/main" val="3776700474"/>
       </p:ext>
     </p:extLst>
   </p:cSld>
@@ -4532,6 +4496,202 @@
           <a:lstStyle/>
           <a:p>
             <a:r>
+              <a:rPr lang="en-US" dirty="0" smtClean="0"/>
+              <a:t>Administrative Metadata</a:t>
+            </a:r>
+            <a:endParaRPr lang="en-US" dirty="0"/>
+          </a:p>
+        </p:txBody>
+      </p:sp>
+      <p:sp>
+        <p:nvSpPr>
+          <p:cNvPr id="3" name="Content Placeholder 2"/>
+          <p:cNvSpPr>
+            <a:spLocks noGrp="1"/>
+          </p:cNvSpPr>
+          <p:nvPr>
+            <p:ph idx="1"/>
+          </p:nvPr>
+        </p:nvSpPr>
+        <p:spPr/>
+        <p:txBody>
+          <a:bodyPr/>
+          <a:lstStyle/>
+          <a:p>
+            <a:pPr marL="0" indent="0">
+              <a:buNone/>
+            </a:pPr>
+            <a:r>
+              <a:rPr lang="en-US" dirty="0" smtClean="0"/>
+              <a:t>…provides </a:t>
+            </a:r>
+            <a:r>
+              <a:rPr lang="en-US" dirty="0"/>
+              <a:t>information to help manage a resource, such as when and how it was created, file type and other technical information, and who can access it. </a:t>
+            </a:r>
+          </a:p>
+        </p:txBody>
+      </p:sp>
+    </p:spTree>
+    <p:extLst>
+      <p:ext uri="{BB962C8B-B14F-4D97-AF65-F5344CB8AC3E}">
+        <p14:creationId xmlns:p14="http://schemas.microsoft.com/office/powerpoint/2010/main" val="2313017815"/>
+      </p:ext>
+    </p:extLst>
+  </p:cSld>
+  <p:clrMapOvr>
+    <a:masterClrMapping/>
+  </p:clrMapOvr>
+</p:sld>
+</file>
+
+<file path=ppt/slides/slide14.xml><?xml version="1.0" encoding="utf-8"?>
+<p:sld xmlns:a="http://schemas.openxmlformats.org/drawingml/2006/main" xmlns:r="http://schemas.openxmlformats.org/officeDocument/2006/relationships" xmlns:p="http://schemas.openxmlformats.org/presentationml/2006/main">
+  <p:cSld>
+    <p:spTree>
+      <p:nvGrpSpPr>
+        <p:cNvPr id="1" name=""/>
+        <p:cNvGrpSpPr/>
+        <p:nvPr/>
+      </p:nvGrpSpPr>
+      <p:grpSpPr>
+        <a:xfrm>
+          <a:off x="0" y="0"/>
+          <a:ext cx="0" cy="0"/>
+          <a:chOff x="0" y="0"/>
+          <a:chExt cx="0" cy="0"/>
+        </a:xfrm>
+      </p:grpSpPr>
+      <p:sp>
+        <p:nvSpPr>
+          <p:cNvPr id="2" name="Title 1"/>
+          <p:cNvSpPr>
+            <a:spLocks noGrp="1"/>
+          </p:cNvSpPr>
+          <p:nvPr>
+            <p:ph type="title"/>
+          </p:nvPr>
+        </p:nvSpPr>
+        <p:spPr/>
+        <p:txBody>
+          <a:bodyPr/>
+          <a:lstStyle/>
+          <a:p>
+            <a:r>
+              <a:rPr lang="en-US" dirty="0" smtClean="0"/>
+              <a:t>Subsets of Admin. Metadata</a:t>
+            </a:r>
+            <a:endParaRPr lang="en-US" dirty="0"/>
+          </a:p>
+        </p:txBody>
+      </p:sp>
+      <p:sp>
+        <p:nvSpPr>
+          <p:cNvPr id="3" name="Content Placeholder 2"/>
+          <p:cNvSpPr>
+            <a:spLocks noGrp="1"/>
+          </p:cNvSpPr>
+          <p:nvPr>
+            <p:ph idx="1"/>
+          </p:nvPr>
+        </p:nvSpPr>
+        <p:spPr/>
+        <p:txBody>
+          <a:bodyPr/>
+          <a:lstStyle/>
+          <a:p>
+            <a:pPr marL="0" indent="0">
+              <a:buNone/>
+            </a:pPr>
+            <a:r>
+              <a:rPr lang="en-US" b="1" dirty="0" smtClean="0"/>
+              <a:t>Rights </a:t>
+            </a:r>
+            <a:r>
+              <a:rPr lang="en-US" b="1" dirty="0"/>
+              <a:t>management metadata</a:t>
+            </a:r>
+            <a:r>
+              <a:rPr lang="en-US" dirty="0"/>
+              <a:t>, which deals with intellectual property </a:t>
+            </a:r>
+            <a:r>
+              <a:rPr lang="en-US" dirty="0" smtClean="0"/>
+              <a:t>rights. (OFTEN EMBEDDED IN PRES METADATA)</a:t>
+            </a:r>
+            <a:endParaRPr lang="en-US" dirty="0"/>
+          </a:p>
+          <a:p>
+            <a:pPr marL="0" indent="0">
+              <a:buNone/>
+            </a:pPr>
+            <a:endParaRPr lang="en-US" dirty="0" smtClean="0"/>
+          </a:p>
+          <a:p>
+            <a:pPr marL="0" indent="0">
+              <a:buNone/>
+            </a:pPr>
+            <a:r>
+              <a:rPr lang="en-US" b="1" dirty="0" smtClean="0"/>
+              <a:t>Preservation </a:t>
+            </a:r>
+            <a:r>
+              <a:rPr lang="en-US" b="1" dirty="0"/>
+              <a:t>metadata</a:t>
+            </a:r>
+            <a:r>
+              <a:rPr lang="en-US" dirty="0"/>
+              <a:t>, which contains information needed to archive and preserve a resource.</a:t>
+            </a:r>
+          </a:p>
+        </p:txBody>
+      </p:sp>
+    </p:spTree>
+    <p:extLst>
+      <p:ext uri="{BB962C8B-B14F-4D97-AF65-F5344CB8AC3E}">
+        <p14:creationId xmlns:p14="http://schemas.microsoft.com/office/powerpoint/2010/main" val="1611966263"/>
+      </p:ext>
+    </p:extLst>
+  </p:cSld>
+  <p:clrMapOvr>
+    <a:masterClrMapping/>
+  </p:clrMapOvr>
+</p:sld>
+</file>
+
+<file path=ppt/slides/slide15.xml><?xml version="1.0" encoding="utf-8"?>
+<p:sld xmlns:a="http://schemas.openxmlformats.org/drawingml/2006/main" xmlns:r="http://schemas.openxmlformats.org/officeDocument/2006/relationships" xmlns:p="http://schemas.openxmlformats.org/presentationml/2006/main">
+  <p:cSld>
+    <p:spTree>
+      <p:nvGrpSpPr>
+        <p:cNvPr id="1" name=""/>
+        <p:cNvGrpSpPr/>
+        <p:nvPr/>
+      </p:nvGrpSpPr>
+      <p:grpSpPr>
+        <a:xfrm>
+          <a:off x="0" y="0"/>
+          <a:ext cx="0" cy="0"/>
+          <a:chOff x="0" y="0"/>
+          <a:chExt cx="0" cy="0"/>
+        </a:xfrm>
+      </p:grpSpPr>
+      <p:sp>
+        <p:nvSpPr>
+          <p:cNvPr id="2" name="Title 1"/>
+          <p:cNvSpPr>
+            <a:spLocks noGrp="1"/>
+          </p:cNvSpPr>
+          <p:nvPr>
+            <p:ph type="title"/>
+          </p:nvPr>
+        </p:nvSpPr>
+        <p:spPr/>
+        <p:txBody>
+          <a:bodyPr/>
+          <a:lstStyle/>
+          <a:p>
+            <a:r>
               <a:rPr lang="en-US" dirty="0" err="1" smtClean="0"/>
               <a:t>Premis</a:t>
             </a:r>
@@ -4553,9 +4713,16 @@
             <p:ph idx="1"/>
           </p:nvPr>
         </p:nvSpPr>
-        <p:spPr/>
-        <p:txBody>
-          <a:bodyPr/>
+        <p:spPr>
+          <a:xfrm>
+            <a:off x="457200" y="1600200"/>
+            <a:ext cx="8229600" cy="4052339"/>
+          </a:xfrm>
+        </p:spPr>
+        <p:txBody>
+          <a:bodyPr>
+            <a:normAutofit lnSpcReduction="10000"/>
+          </a:bodyPr>
           <a:lstStyle/>
           <a:p>
             <a:pPr marL="0" indent="0">
@@ -4613,7 +4780,7 @@
 </p:sld>
 </file>
 
-<file path=ppt/slides/slide14.xml><?xml version="1.0" encoding="utf-8"?>
+<file path=ppt/slides/slide16.xml><?xml version="1.0" encoding="utf-8"?>
 <p:sld xmlns:a="http://schemas.openxmlformats.org/drawingml/2006/main" xmlns:r="http://schemas.openxmlformats.org/officeDocument/2006/relationships" xmlns:p="http://schemas.openxmlformats.org/presentationml/2006/main">
   <p:cSld>
     <p:spTree>
@@ -4726,7 +4893,7 @@
 </p:sld>
 </file>
 
-<file path=ppt/slides/slide15.xml><?xml version="1.0" encoding="utf-8"?>
+<file path=ppt/slides/slide17.xml><?xml version="1.0" encoding="utf-8"?>
 <p:sld xmlns:a="http://schemas.openxmlformats.org/drawingml/2006/main" xmlns:r="http://schemas.openxmlformats.org/officeDocument/2006/relationships" xmlns:p="http://schemas.openxmlformats.org/presentationml/2006/main">
   <p:cSld>
     <p:spTree>
@@ -4863,7 +5030,7 @@
 </p:sld>
 </file>
 
-<file path=ppt/slides/slide16.xml><?xml version="1.0" encoding="utf-8"?>
+<file path=ppt/slides/slide18.xml><?xml version="1.0" encoding="utf-8"?>
 <p:sld xmlns:a="http://schemas.openxmlformats.org/drawingml/2006/main" xmlns:r="http://schemas.openxmlformats.org/officeDocument/2006/relationships" xmlns:p="http://schemas.openxmlformats.org/presentationml/2006/main">
   <p:cSld>
     <p:spTree>
@@ -4895,7 +5062,11 @@
           <a:bodyPr/>
           <a:lstStyle/>
           <a:p>
-            <a:endParaRPr lang="en-US"/>
+            <a:r>
+              <a:rPr lang="en-US" dirty="0" smtClean="0"/>
+              <a:t>CASE STUDY OF PREMIS</a:t>
+            </a:r>
+            <a:endParaRPr lang="en-US" dirty="0"/>
           </a:p>
         </p:txBody>
       </p:sp>
@@ -4931,79 +5102,7 @@
 </p:sld>
 </file>
 
-<file path=ppt/slides/slide17.xml><?xml version="1.0" encoding="utf-8"?>
-<p:sld xmlns:a="http://schemas.openxmlformats.org/drawingml/2006/main" xmlns:r="http://schemas.openxmlformats.org/officeDocument/2006/relationships" xmlns:p="http://schemas.openxmlformats.org/presentationml/2006/main">
-  <p:cSld>
-    <p:spTree>
-      <p:nvGrpSpPr>
-        <p:cNvPr id="1" name=""/>
-        <p:cNvGrpSpPr/>
-        <p:nvPr/>
-      </p:nvGrpSpPr>
-      <p:grpSpPr>
-        <a:xfrm>
-          <a:off x="0" y="0"/>
-          <a:ext cx="0" cy="0"/>
-          <a:chOff x="0" y="0"/>
-          <a:chExt cx="0" cy="0"/>
-        </a:xfrm>
-      </p:grpSpPr>
-      <p:sp>
-        <p:nvSpPr>
-          <p:cNvPr id="2" name="Title 1"/>
-          <p:cNvSpPr>
-            <a:spLocks noGrp="1"/>
-          </p:cNvSpPr>
-          <p:nvPr>
-            <p:ph type="title"/>
-          </p:nvPr>
-        </p:nvSpPr>
-        <p:spPr/>
-        <p:txBody>
-          <a:bodyPr/>
-          <a:lstStyle/>
-          <a:p>
-            <a:r>
-              <a:rPr lang="en-US" dirty="0" smtClean="0"/>
-              <a:t>IP Metadata</a:t>
-            </a:r>
-            <a:endParaRPr lang="en-US" dirty="0"/>
-          </a:p>
-        </p:txBody>
-      </p:sp>
-      <p:sp>
-        <p:nvSpPr>
-          <p:cNvPr id="3" name="Content Placeholder 2"/>
-          <p:cNvSpPr>
-            <a:spLocks noGrp="1"/>
-          </p:cNvSpPr>
-          <p:nvPr>
-            <p:ph idx="1"/>
-          </p:nvPr>
-        </p:nvSpPr>
-        <p:spPr/>
-        <p:txBody>
-          <a:bodyPr/>
-          <a:lstStyle/>
-          <a:p>
-            <a:endParaRPr lang="en-US"/>
-          </a:p>
-        </p:txBody>
-      </p:sp>
-    </p:spTree>
-    <p:extLst>
-      <p:ext uri="{BB962C8B-B14F-4D97-AF65-F5344CB8AC3E}">
-        <p14:creationId xmlns:p14="http://schemas.microsoft.com/office/powerpoint/2010/main" val="2951405360"/>
-      </p:ext>
-    </p:extLst>
-  </p:cSld>
-  <p:clrMapOvr>
-    <a:masterClrMapping/>
-  </p:clrMapOvr>
-</p:sld>
-</file>
-
-<file path=ppt/slides/slide18.xml><?xml version="1.0" encoding="utf-8"?>
+<file path=ppt/slides/slide19.xml><?xml version="1.0" encoding="utf-8"?>
 <p:sld xmlns:a="http://schemas.openxmlformats.org/drawingml/2006/main" xmlns:r="http://schemas.openxmlformats.org/officeDocument/2006/relationships" xmlns:p="http://schemas.openxmlformats.org/presentationml/2006/main">
   <p:cSld>
     <p:spTree>
@@ -5063,158 +5162,6 @@
 </p:sld>
 </file>
 
-<file path=ppt/slides/slide19.xml><?xml version="1.0" encoding="utf-8"?>
-<p:sld xmlns:a="http://schemas.openxmlformats.org/drawingml/2006/main" xmlns:r="http://schemas.openxmlformats.org/officeDocument/2006/relationships" xmlns:p="http://schemas.openxmlformats.org/presentationml/2006/main">
-  <p:cSld>
-    <p:spTree>
-      <p:nvGrpSpPr>
-        <p:cNvPr id="1" name=""/>
-        <p:cNvGrpSpPr/>
-        <p:nvPr/>
-      </p:nvGrpSpPr>
-      <p:grpSpPr>
-        <a:xfrm>
-          <a:off x="0" y="0"/>
-          <a:ext cx="0" cy="0"/>
-          <a:chOff x="0" y="0"/>
-          <a:chExt cx="0" cy="0"/>
-        </a:xfrm>
-      </p:grpSpPr>
-      <p:sp>
-        <p:nvSpPr>
-          <p:cNvPr id="2" name="Title 1"/>
-          <p:cNvSpPr>
-            <a:spLocks noGrp="1"/>
-          </p:cNvSpPr>
-          <p:nvPr>
-            <p:ph type="title"/>
-          </p:nvPr>
-        </p:nvSpPr>
-        <p:spPr/>
-        <p:txBody>
-          <a:bodyPr>
-            <a:normAutofit fontScale="90000"/>
-          </a:bodyPr>
-          <a:lstStyle/>
-          <a:p>
-            <a:r>
-              <a:rPr lang="en-US" dirty="0" smtClean="0"/>
-              <a:t>Who creates What metadata, </a:t>
-            </a:r>
-            <a:br>
-              <a:rPr lang="en-US" dirty="0" smtClean="0"/>
-            </a:br>
-            <a:r>
-              <a:rPr lang="en-US" dirty="0" smtClean="0"/>
-              <a:t>and When…</a:t>
-            </a:r>
-            <a:endParaRPr lang="en-US" dirty="0"/>
-          </a:p>
-        </p:txBody>
-      </p:sp>
-      <p:sp>
-        <p:nvSpPr>
-          <p:cNvPr id="3" name="Content Placeholder 2"/>
-          <p:cNvSpPr>
-            <a:spLocks noGrp="1"/>
-          </p:cNvSpPr>
-          <p:nvPr>
-            <p:ph idx="1"/>
-          </p:nvPr>
-        </p:nvSpPr>
-        <p:spPr>
-          <a:xfrm>
-            <a:off x="457200" y="1600201"/>
-            <a:ext cx="8229600" cy="4022980"/>
-          </a:xfrm>
-        </p:spPr>
-        <p:txBody>
-          <a:bodyPr>
-            <a:normAutofit fontScale="92500" lnSpcReduction="20000"/>
-          </a:bodyPr>
-          <a:lstStyle/>
-          <a:p>
-            <a:pPr marL="0" indent="0">
-              <a:buNone/>
-            </a:pPr>
-            <a:r>
-              <a:rPr lang="en-US" dirty="0" smtClean="0"/>
-              <a:t>Curators : When data are received / ingested, preservation actions are taken, after reuse occurs.  </a:t>
-            </a:r>
-          </a:p>
-          <a:p>
-            <a:pPr marL="0" indent="0">
-              <a:buNone/>
-            </a:pPr>
-            <a:endParaRPr lang="en-US" dirty="0" smtClean="0"/>
-          </a:p>
-          <a:p>
-            <a:pPr marL="0" indent="0">
-              <a:buNone/>
-            </a:pPr>
-            <a:r>
-              <a:rPr lang="en-US" dirty="0" smtClean="0"/>
-              <a:t>	Type: Descriptive, Structural, and (</a:t>
-            </a:r>
-            <a:r>
-              <a:rPr lang="en-US" dirty="0" err="1" smtClean="0"/>
-              <a:t>esp</a:t>
-            </a:r>
-            <a:r>
-              <a:rPr lang="en-US" dirty="0"/>
-              <a:t>)</a:t>
-            </a:r>
-            <a:r>
-              <a:rPr lang="en-US" dirty="0" smtClean="0"/>
-              <a:t> Admin</a:t>
-            </a:r>
-          </a:p>
-          <a:p>
-            <a:pPr marL="0" indent="0">
-              <a:buNone/>
-            </a:pPr>
-            <a:endParaRPr lang="en-US" dirty="0"/>
-          </a:p>
-          <a:p>
-            <a:pPr marL="0" indent="0">
-              <a:buNone/>
-            </a:pPr>
-            <a:r>
-              <a:rPr lang="en-US" dirty="0" smtClean="0"/>
-              <a:t>Data creators: When data are collected, transformed, reused.  </a:t>
-            </a:r>
-          </a:p>
-          <a:p>
-            <a:pPr marL="0" indent="0">
-              <a:buNone/>
-            </a:pPr>
-            <a:endParaRPr lang="en-US" dirty="0" smtClean="0"/>
-          </a:p>
-          <a:p>
-            <a:pPr marL="0" indent="0">
-              <a:buNone/>
-            </a:pPr>
-            <a:r>
-              <a:rPr lang="en-US" dirty="0" smtClean="0"/>
-              <a:t>	Type: Descriptive + Structural </a:t>
-            </a:r>
-            <a:endParaRPr lang="en-US" dirty="0"/>
-          </a:p>
-        </p:txBody>
-      </p:sp>
-    </p:spTree>
-    <p:extLst>
-      <p:ext uri="{BB962C8B-B14F-4D97-AF65-F5344CB8AC3E}">
-        <p14:creationId xmlns:p14="http://schemas.microsoft.com/office/powerpoint/2010/main" val="3432378380"/>
-      </p:ext>
-    </p:extLst>
-  </p:cSld>
-  <p:clrMapOvr>
-    <a:masterClrMapping/>
-  </p:clrMapOvr>
-</p:sld>
-</file>
-
 <file path=ppt/slides/slide2.xml><?xml version="1.0" encoding="utf-8"?>
 <p:sld xmlns:a="http://schemas.openxmlformats.org/drawingml/2006/main" xmlns:r="http://schemas.openxmlformats.org/officeDocument/2006/relationships" xmlns:p="http://schemas.openxmlformats.org/presentationml/2006/main">
   <p:cSld>
@@ -5278,19 +5225,24 @@
           <a:p>
             <a:r>
               <a:rPr lang="en-US" dirty="0" smtClean="0"/>
-              <a:t>A framework for evaluating and selecting between existing standards</a:t>
-            </a:r>
-          </a:p>
-          <a:p>
+              <a:t>Evaluating and </a:t>
+            </a:r>
             <a:r>
               <a:rPr lang="en-US" dirty="0" smtClean="0"/>
-              <a:t>Reconcile and Propagate from existing standards</a:t>
-            </a:r>
+              <a:t>selecting between existing standards</a:t>
+            </a:r>
+          </a:p>
+          <a:p>
+            <a:r>
+              <a:rPr lang="en-US" dirty="0" err="1" smtClean="0"/>
+              <a:t>Crosswalking</a:t>
+            </a:r>
+            <a:endParaRPr lang="en-US" dirty="0" smtClean="0"/>
           </a:p>
           <a:p>
             <a:r>
               <a:rPr lang="en-US" dirty="0" smtClean="0"/>
-              <a:t>Application Profiles + Bespoke Metadata</a:t>
+              <a:t>Application Profiles</a:t>
             </a:r>
             <a:endParaRPr lang="en-US" dirty="0"/>
           </a:p>
@@ -5300,6 +5252,158 @@
     <p:extLst>
       <p:ext uri="{BB962C8B-B14F-4D97-AF65-F5344CB8AC3E}">
         <p14:creationId xmlns:p14="http://schemas.microsoft.com/office/powerpoint/2010/main" val="3008882325"/>
+      </p:ext>
+    </p:extLst>
+  </p:cSld>
+  <p:clrMapOvr>
+    <a:masterClrMapping/>
+  </p:clrMapOvr>
+</p:sld>
+</file>
+
+<file path=ppt/slides/slide20.xml><?xml version="1.0" encoding="utf-8"?>
+<p:sld xmlns:a="http://schemas.openxmlformats.org/drawingml/2006/main" xmlns:r="http://schemas.openxmlformats.org/officeDocument/2006/relationships" xmlns:p="http://schemas.openxmlformats.org/presentationml/2006/main">
+  <p:cSld>
+    <p:spTree>
+      <p:nvGrpSpPr>
+        <p:cNvPr id="1" name=""/>
+        <p:cNvGrpSpPr/>
+        <p:nvPr/>
+      </p:nvGrpSpPr>
+      <p:grpSpPr>
+        <a:xfrm>
+          <a:off x="0" y="0"/>
+          <a:ext cx="0" cy="0"/>
+          <a:chOff x="0" y="0"/>
+          <a:chExt cx="0" cy="0"/>
+        </a:xfrm>
+      </p:grpSpPr>
+      <p:sp>
+        <p:nvSpPr>
+          <p:cNvPr id="2" name="Title 1"/>
+          <p:cNvSpPr>
+            <a:spLocks noGrp="1"/>
+          </p:cNvSpPr>
+          <p:nvPr>
+            <p:ph type="title"/>
+          </p:nvPr>
+        </p:nvSpPr>
+        <p:spPr/>
+        <p:txBody>
+          <a:bodyPr>
+            <a:normAutofit fontScale="90000"/>
+          </a:bodyPr>
+          <a:lstStyle/>
+          <a:p>
+            <a:r>
+              <a:rPr lang="en-US" dirty="0" smtClean="0"/>
+              <a:t>Who creates What metadata, </a:t>
+            </a:r>
+            <a:br>
+              <a:rPr lang="en-US" dirty="0" smtClean="0"/>
+            </a:br>
+            <a:r>
+              <a:rPr lang="en-US" dirty="0" smtClean="0"/>
+              <a:t>and When…</a:t>
+            </a:r>
+            <a:endParaRPr lang="en-US" dirty="0"/>
+          </a:p>
+        </p:txBody>
+      </p:sp>
+      <p:sp>
+        <p:nvSpPr>
+          <p:cNvPr id="3" name="Content Placeholder 2"/>
+          <p:cNvSpPr>
+            <a:spLocks noGrp="1"/>
+          </p:cNvSpPr>
+          <p:nvPr>
+            <p:ph idx="1"/>
+          </p:nvPr>
+        </p:nvSpPr>
+        <p:spPr>
+          <a:xfrm>
+            <a:off x="457200" y="1600201"/>
+            <a:ext cx="8229600" cy="4022980"/>
+          </a:xfrm>
+        </p:spPr>
+        <p:txBody>
+          <a:bodyPr>
+            <a:normAutofit fontScale="92500" lnSpcReduction="20000"/>
+          </a:bodyPr>
+          <a:lstStyle/>
+          <a:p>
+            <a:pPr marL="0" indent="0">
+              <a:buNone/>
+            </a:pPr>
+            <a:r>
+              <a:rPr lang="en-US" dirty="0" smtClean="0"/>
+              <a:t>Curators : When data are received / ingested, preservation actions are taken, after reuse occurs.  </a:t>
+            </a:r>
+          </a:p>
+          <a:p>
+            <a:pPr marL="0" indent="0">
+              <a:buNone/>
+            </a:pPr>
+            <a:endParaRPr lang="en-US" dirty="0" smtClean="0"/>
+          </a:p>
+          <a:p>
+            <a:pPr marL="0" indent="0">
+              <a:buNone/>
+            </a:pPr>
+            <a:r>
+              <a:rPr lang="en-US" dirty="0" smtClean="0"/>
+              <a:t>	Type: Descriptive, Structural, and (</a:t>
+            </a:r>
+            <a:r>
+              <a:rPr lang="en-US" dirty="0" err="1" smtClean="0"/>
+              <a:t>esp</a:t>
+            </a:r>
+            <a:r>
+              <a:rPr lang="en-US" dirty="0"/>
+              <a:t>)</a:t>
+            </a:r>
+            <a:r>
+              <a:rPr lang="en-US" dirty="0" smtClean="0"/>
+              <a:t> Admin</a:t>
+            </a:r>
+          </a:p>
+          <a:p>
+            <a:pPr marL="0" indent="0">
+              <a:buNone/>
+            </a:pPr>
+            <a:endParaRPr lang="en-US" dirty="0"/>
+          </a:p>
+          <a:p>
+            <a:pPr marL="0" indent="0">
+              <a:buNone/>
+            </a:pPr>
+            <a:r>
+              <a:rPr lang="en-US" dirty="0" smtClean="0"/>
+              <a:t>Data creators: When data are collected, transformed, reused.  </a:t>
+            </a:r>
+          </a:p>
+          <a:p>
+            <a:pPr marL="0" indent="0">
+              <a:buNone/>
+            </a:pPr>
+            <a:endParaRPr lang="en-US" dirty="0" smtClean="0"/>
+          </a:p>
+          <a:p>
+            <a:pPr marL="0" indent="0">
+              <a:buNone/>
+            </a:pPr>
+            <a:r>
+              <a:rPr lang="en-US" dirty="0" smtClean="0"/>
+              <a:t>	Type: Descriptive + Structural </a:t>
+            </a:r>
+            <a:endParaRPr lang="en-US" dirty="0"/>
+          </a:p>
+        </p:txBody>
+      </p:sp>
+    </p:spTree>
+    <p:extLst>
+      <p:ext uri="{BB962C8B-B14F-4D97-AF65-F5344CB8AC3E}">
+        <p14:creationId xmlns:p14="http://schemas.microsoft.com/office/powerpoint/2010/main" val="3432378380"/>
       </p:ext>
     </p:extLst>
   </p:cSld>
@@ -5353,38 +5457,21 @@
           </a:p>
           <a:p>
             <a:r>
-              <a:rPr lang="en-US" dirty="0">
-                <a:solidFill>
-                  <a:schemeClr val="bg1">
-                    <a:lumMod val="85000"/>
-                  </a:schemeClr>
-                </a:solidFill>
-              </a:rPr>
-              <a:t>A framework for evaluating and selecting between existing standards</a:t>
-            </a:r>
-          </a:p>
-          <a:p>
-            <a:r>
-              <a:rPr lang="en-US" dirty="0">
-                <a:solidFill>
-                  <a:schemeClr val="bg1">
-                    <a:lumMod val="85000"/>
-                  </a:schemeClr>
-                </a:solidFill>
-              </a:rPr>
-              <a:t>Reconcile and Propagate from existing standards</a:t>
-            </a:r>
-          </a:p>
-          <a:p>
-            <a:r>
-              <a:rPr lang="en-US" dirty="0">
-                <a:solidFill>
-                  <a:schemeClr val="bg1">
-                    <a:lumMod val="85000"/>
-                  </a:schemeClr>
-                </a:solidFill>
-              </a:rPr>
-              <a:t>Application Profiles + Bespoke Metadata</a:t>
+              <a:rPr lang="en-US" dirty="0"/>
+              <a:t>Evaluating and selecting between existing standards</a:t>
+            </a:r>
+          </a:p>
+          <a:p>
+            <a:r>
+              <a:rPr lang="en-US" dirty="0" err="1"/>
+              <a:t>Crosswalking</a:t>
+            </a:r>
+            <a:endParaRPr lang="en-US" dirty="0"/>
+          </a:p>
+          <a:p>
+            <a:r>
+              <a:rPr lang="en-US" dirty="0"/>
+              <a:t>Application Profiles</a:t>
             </a:r>
           </a:p>
           <a:p>
@@ -5460,45 +5547,56 @@
             <p:ph idx="1"/>
           </p:nvPr>
         </p:nvSpPr>
-        <p:spPr/>
+        <p:spPr>
+          <a:xfrm>
+            <a:off x="457200" y="1600200"/>
+            <a:ext cx="8229600" cy="3966405"/>
+          </a:xfrm>
+        </p:spPr>
         <p:txBody>
           <a:bodyPr>
-            <a:normAutofit fontScale="85000" lnSpcReduction="10000"/>
+            <a:normAutofit/>
           </a:bodyPr>
           <a:lstStyle/>
           <a:p>
             <a:r>
               <a:rPr lang="en-US" dirty="0" smtClean="0"/>
-              <a:t>Can look like anything… (bugs in drawers / </a:t>
-            </a:r>
-            <a:r>
-              <a:rPr lang="en-US" dirty="0" err="1" smtClean="0"/>
-              <a:t>i.e</a:t>
+              <a:t>Like data, it is a relational concept. It </a:t>
+            </a:r>
+            <a:r>
+              <a:rPr lang="en-US" i="1" dirty="0" smtClean="0"/>
+              <a:t>can</a:t>
             </a:r>
             <a:r>
               <a:rPr lang="en-US" dirty="0" smtClean="0"/>
-              <a:t> take a photo of Andreas apartment)</a:t>
-            </a:r>
-          </a:p>
-          <a:p>
+              <a:t> </a:t>
+            </a:r>
+            <a:r>
+              <a:rPr lang="en-US" dirty="0" smtClean="0"/>
+              <a:t>look like anything… (bugs in </a:t>
+            </a:r>
+            <a:r>
+              <a:rPr lang="en-US" dirty="0" smtClean="0"/>
+              <a:t>drawers)</a:t>
+            </a:r>
             <a:endParaRPr lang="en-US" dirty="0" smtClean="0"/>
           </a:p>
           <a:p>
             <a:r>
               <a:rPr lang="en-US" dirty="0" smtClean="0"/>
-              <a:t>But we want machine readable expressions of our metadata… and that means</a:t>
-            </a:r>
-          </a:p>
-          <a:p>
+              <a:t>But we want machine readable expressions of our metadata… and that </a:t>
+            </a:r>
+            <a:r>
+              <a:rPr lang="en-US" dirty="0" smtClean="0"/>
+              <a:t>means</a:t>
+            </a:r>
             <a:endParaRPr lang="en-US" dirty="0"/>
           </a:p>
           <a:p>
             <a:r>
               <a:rPr lang="en-US" dirty="0" smtClean="0"/>
-              <a:t>XML motherfuckers (picture of Karen yelling at Happy)</a:t>
-            </a:r>
-          </a:p>
-          <a:p>
+              <a:t>XML</a:t>
+            </a:r>
             <a:endParaRPr lang="en-US" dirty="0"/>
           </a:p>
           <a:p>
@@ -5523,6 +5621,66 @@
 </file>
 
 <file path=ppt/slides/slide5.xml><?xml version="1.0" encoding="utf-8"?>
+<p:sld xmlns:a="http://schemas.openxmlformats.org/drawingml/2006/main" xmlns:r="http://schemas.openxmlformats.org/officeDocument/2006/relationships" xmlns:p="http://schemas.openxmlformats.org/presentationml/2006/main">
+  <p:cSld>
+    <p:spTree>
+      <p:nvGrpSpPr>
+        <p:cNvPr id="1" name=""/>
+        <p:cNvGrpSpPr/>
+        <p:nvPr/>
+      </p:nvGrpSpPr>
+      <p:grpSpPr>
+        <a:xfrm>
+          <a:off x="0" y="0"/>
+          <a:ext cx="0" cy="0"/>
+          <a:chOff x="0" y="0"/>
+          <a:chExt cx="0" cy="0"/>
+        </a:xfrm>
+      </p:grpSpPr>
+      <p:pic>
+        <p:nvPicPr>
+          <p:cNvPr id="4" name="Picture 3" descr="Screen Shot 2015-01-23 at 4.23.33 PM.png"/>
+          <p:cNvPicPr>
+            <a:picLocks noChangeAspect="1"/>
+          </p:cNvPicPr>
+          <p:nvPr/>
+        </p:nvPicPr>
+        <p:blipFill>
+          <a:blip r:embed="rId2">
+            <a:extLst>
+              <a:ext uri="{28A0092B-C50C-407E-A947-70E740481C1C}">
+                <a14:useLocalDpi xmlns:a14="http://schemas.microsoft.com/office/drawing/2010/main" val="0"/>
+              </a:ext>
+            </a:extLst>
+          </a:blip>
+          <a:stretch>
+            <a:fillRect/>
+          </a:stretch>
+        </p:blipFill>
+        <p:spPr>
+          <a:xfrm>
+            <a:off x="2575678" y="429669"/>
+            <a:ext cx="4521148" cy="4965068"/>
+          </a:xfrm>
+          <a:prstGeom prst="rect">
+            <a:avLst/>
+          </a:prstGeom>
+        </p:spPr>
+      </p:pic>
+    </p:spTree>
+    <p:extLst>
+      <p:ext uri="{BB962C8B-B14F-4D97-AF65-F5344CB8AC3E}">
+        <p14:creationId xmlns:p14="http://schemas.microsoft.com/office/powerpoint/2010/main" val="4032730804"/>
+      </p:ext>
+    </p:extLst>
+  </p:cSld>
+  <p:clrMapOvr>
+    <a:masterClrMapping/>
+  </p:clrMapOvr>
+</p:sld>
+</file>
+
+<file path=ppt/slides/slide6.xml><?xml version="1.0" encoding="utf-8"?>
 <p:sld xmlns:a="http://schemas.openxmlformats.org/drawingml/2006/main" xmlns:r="http://schemas.openxmlformats.org/officeDocument/2006/relationships" xmlns:p="http://schemas.openxmlformats.org/presentationml/2006/main">
   <p:cSld>
     <p:spTree>
@@ -5582,143 +5740,6 @@
 </p:sld>
 </file>
 
-<file path=ppt/slides/slide6.xml><?xml version="1.0" encoding="utf-8"?>
-<p:sld xmlns:a="http://schemas.openxmlformats.org/drawingml/2006/main" xmlns:r="http://schemas.openxmlformats.org/officeDocument/2006/relationships" xmlns:p="http://schemas.openxmlformats.org/presentationml/2006/main">
-  <p:cSld>
-    <p:spTree>
-      <p:nvGrpSpPr>
-        <p:cNvPr id="1" name=""/>
-        <p:cNvGrpSpPr/>
-        <p:nvPr/>
-      </p:nvGrpSpPr>
-      <p:grpSpPr>
-        <a:xfrm>
-          <a:off x="0" y="0"/>
-          <a:ext cx="0" cy="0"/>
-          <a:chOff x="0" y="0"/>
-          <a:chExt cx="0" cy="0"/>
-        </a:xfrm>
-      </p:grpSpPr>
-      <p:sp>
-        <p:nvSpPr>
-          <p:cNvPr id="2" name="Title 1"/>
-          <p:cNvSpPr>
-            <a:spLocks noGrp="1"/>
-          </p:cNvSpPr>
-          <p:nvPr>
-            <p:ph type="title"/>
-          </p:nvPr>
-        </p:nvSpPr>
-        <p:spPr/>
-        <p:txBody>
-          <a:bodyPr/>
-          <a:lstStyle/>
-          <a:p>
-            <a:r>
-              <a:rPr lang="en-US" dirty="0" smtClean="0"/>
-              <a:t>Types of Metadata</a:t>
-            </a:r>
-            <a:endParaRPr lang="en-US" dirty="0"/>
-          </a:p>
-        </p:txBody>
-      </p:sp>
-      <p:sp>
-        <p:nvSpPr>
-          <p:cNvPr id="3" name="Content Placeholder 2"/>
-          <p:cNvSpPr>
-            <a:spLocks noGrp="1"/>
-          </p:cNvSpPr>
-          <p:nvPr>
-            <p:ph idx="1"/>
-          </p:nvPr>
-        </p:nvSpPr>
-        <p:spPr/>
-        <p:txBody>
-          <a:bodyPr/>
-          <a:lstStyle/>
-          <a:p>
-            <a:r>
-              <a:rPr lang="en-US" dirty="0" smtClean="0"/>
-              <a:t>Descriptive</a:t>
-            </a:r>
-          </a:p>
-          <a:p>
-            <a:r>
-              <a:rPr lang="en-US" dirty="0" smtClean="0"/>
-              <a:t>Structural</a:t>
-            </a:r>
-          </a:p>
-          <a:p>
-            <a:r>
-              <a:rPr lang="en-US" dirty="0" smtClean="0"/>
-              <a:t>Administrative</a:t>
-            </a:r>
-          </a:p>
-          <a:p>
-            <a:pPr lvl="1"/>
-            <a:r>
-              <a:rPr lang="en-US" dirty="0" smtClean="0"/>
-              <a:t>Rights Management</a:t>
-            </a:r>
-          </a:p>
-          <a:p>
-            <a:pPr lvl="1"/>
-            <a:r>
-              <a:rPr lang="en-US" dirty="0" smtClean="0"/>
-              <a:t>Preservation </a:t>
-            </a:r>
-          </a:p>
-        </p:txBody>
-      </p:sp>
-      <p:sp>
-        <p:nvSpPr>
-          <p:cNvPr id="4" name="Rectangle 3"/>
-          <p:cNvSpPr/>
-          <p:nvPr/>
-        </p:nvSpPr>
-        <p:spPr>
-          <a:xfrm>
-            <a:off x="4483063" y="5377157"/>
-            <a:ext cx="4572000" cy="246221"/>
-          </a:xfrm>
-          <a:prstGeom prst="rect">
-            <a:avLst/>
-          </a:prstGeom>
-        </p:spPr>
-        <p:txBody>
-          <a:bodyPr>
-            <a:spAutoFit/>
-          </a:bodyPr>
-          <a:lstStyle/>
-          <a:p>
-            <a:r>
-              <a:rPr lang="en-US" sz="1000" dirty="0"/>
-              <a:t>NISO. (2004) Understanding </a:t>
-            </a:r>
-            <a:r>
-              <a:rPr lang="en-US" sz="1000" dirty="0" smtClean="0"/>
-              <a:t>Metadata. Bethesda</a:t>
-            </a:r>
-            <a:r>
-              <a:rPr lang="en-US" sz="1000" dirty="0"/>
-              <a:t>, MD: NISO Press, pp.1-2.</a:t>
-            </a:r>
-          </a:p>
-        </p:txBody>
-      </p:sp>
-    </p:spTree>
-    <p:extLst>
-      <p:ext uri="{BB962C8B-B14F-4D97-AF65-F5344CB8AC3E}">
-        <p14:creationId xmlns:p14="http://schemas.microsoft.com/office/powerpoint/2010/main" val="3819906589"/>
-      </p:ext>
-    </p:extLst>
-  </p:cSld>
-  <p:clrMapOvr>
-    <a:masterClrMapping/>
-  </p:clrMapOvr>
-</p:sld>
-</file>
-
 <file path=ppt/slides/slide7.xml><?xml version="1.0" encoding="utf-8"?>
 <p:sld xmlns:a="http://schemas.openxmlformats.org/drawingml/2006/main" xmlns:r="http://schemas.openxmlformats.org/officeDocument/2006/relationships" xmlns:p="http://schemas.openxmlformats.org/presentationml/2006/main">
   <p:cSld>
@@ -5753,7 +5774,7 @@
           <a:p>
             <a:r>
               <a:rPr lang="en-US" dirty="0" smtClean="0"/>
-              <a:t>Descriptive Metadata	</a:t>
+              <a:t>Types of Metadata</a:t>
             </a:r>
             <a:endParaRPr lang="en-US" dirty="0"/>
           </a:p>
@@ -5768,56 +5789,85 @@
           <p:nvPr>
             <p:ph idx="1"/>
           </p:nvPr>
+        </p:nvSpPr>
+        <p:spPr/>
+        <p:txBody>
+          <a:bodyPr/>
+          <a:lstStyle/>
+          <a:p>
+            <a:r>
+              <a:rPr lang="en-US" dirty="0" smtClean="0"/>
+              <a:t>Descriptive</a:t>
+            </a:r>
+          </a:p>
+          <a:p>
+            <a:r>
+              <a:rPr lang="en-US" dirty="0" smtClean="0"/>
+              <a:t>Structural</a:t>
+            </a:r>
+          </a:p>
+          <a:p>
+            <a:r>
+              <a:rPr lang="en-US" dirty="0" smtClean="0"/>
+              <a:t>Administrative</a:t>
+            </a:r>
+          </a:p>
+          <a:p>
+            <a:pPr lvl="1"/>
+            <a:r>
+              <a:rPr lang="en-US" dirty="0" smtClean="0"/>
+              <a:t>Rights Management</a:t>
+            </a:r>
+          </a:p>
+          <a:p>
+            <a:pPr lvl="1"/>
+            <a:r>
+              <a:rPr lang="en-US" dirty="0" smtClean="0"/>
+              <a:t>Preservation </a:t>
+            </a:r>
+          </a:p>
+        </p:txBody>
+      </p:sp>
+      <p:sp>
+        <p:nvSpPr>
+          <p:cNvPr id="4" name="Rectangle 3"/>
+          <p:cNvSpPr/>
+          <p:nvPr/>
         </p:nvSpPr>
         <p:spPr>
           <a:xfrm>
-            <a:off x="554895" y="1817311"/>
-            <a:ext cx="8229600" cy="4525963"/>
+            <a:off x="4483063" y="5377157"/>
+            <a:ext cx="4572000" cy="246221"/>
           </a:xfrm>
+          <a:prstGeom prst="rect">
+            <a:avLst/>
+          </a:prstGeom>
         </p:spPr>
         <p:txBody>
           <a:bodyPr>
-            <a:normAutofit/>
+            <a:spAutoFit/>
           </a:bodyPr>
           <a:lstStyle/>
           <a:p>
-            <a:pPr marL="0" indent="0">
-              <a:buNone/>
-            </a:pPr>
-            <a:r>
-              <a:rPr lang="en-US" dirty="0" smtClean="0"/>
-              <a:t>… describes </a:t>
-            </a:r>
-            <a:r>
-              <a:rPr lang="en-US" dirty="0"/>
-              <a:t>a resource for purposes such as discovery and identification. It can include elements such as title, </a:t>
-            </a:r>
-            <a:r>
-              <a:rPr lang="en-US" dirty="0" smtClean="0"/>
-              <a:t>format, author</a:t>
-            </a:r>
-            <a:r>
-              <a:rPr lang="en-US" dirty="0"/>
-              <a:t> </a:t>
-            </a:r>
-            <a:r>
-              <a:rPr lang="en-US" dirty="0" smtClean="0"/>
-              <a:t>(s), keywords, spatial coverage, date, etc.</a:t>
-            </a:r>
-            <a:endParaRPr lang="en-US" dirty="0"/>
-          </a:p>
-          <a:p>
-            <a:pPr marL="0" indent="0">
-              <a:buNone/>
-            </a:pPr>
-            <a:endParaRPr lang="en-US" dirty="0"/>
+            <a:r>
+              <a:rPr lang="en-US" sz="1000" dirty="0"/>
+              <a:t>NISO. (2004) Understanding </a:t>
+            </a:r>
+            <a:r>
+              <a:rPr lang="en-US" sz="1000" dirty="0" smtClean="0"/>
+              <a:t>Metadata. Bethesda</a:t>
+            </a:r>
+            <a:r>
+              <a:rPr lang="en-US" sz="1000" dirty="0"/>
+              <a:t>, MD: NISO Press, pp.1-2.</a:t>
+            </a:r>
           </a:p>
         </p:txBody>
       </p:sp>
     </p:spTree>
     <p:extLst>
       <p:ext uri="{BB962C8B-B14F-4D97-AF65-F5344CB8AC3E}">
-        <p14:creationId xmlns:p14="http://schemas.microsoft.com/office/powerpoint/2010/main" val="578525659"/>
+        <p14:creationId xmlns:p14="http://schemas.microsoft.com/office/powerpoint/2010/main" val="3819906589"/>
       </p:ext>
     </p:extLst>
   </p:cSld>
@@ -5861,7 +5911,7 @@
           <a:p>
             <a:r>
               <a:rPr lang="en-US" dirty="0" smtClean="0"/>
-              <a:t>Example</a:t>
+              <a:t>Descriptive Metadata	</a:t>
             </a:r>
             <a:endParaRPr lang="en-US" dirty="0"/>
           </a:p>
@@ -5877,19 +5927,55 @@
             <p:ph idx="1"/>
           </p:nvPr>
         </p:nvSpPr>
-        <p:spPr/>
-        <p:txBody>
-          <a:bodyPr/>
-          <a:lstStyle/>
-          <a:p>
-            <a:endParaRPr lang="en-US"/>
+        <p:spPr>
+          <a:xfrm>
+            <a:off x="554895" y="1817311"/>
+            <a:ext cx="8229600" cy="4525963"/>
+          </a:xfrm>
+        </p:spPr>
+        <p:txBody>
+          <a:bodyPr>
+            <a:normAutofit/>
+          </a:bodyPr>
+          <a:lstStyle/>
+          <a:p>
+            <a:pPr marL="0" indent="0">
+              <a:buNone/>
+            </a:pPr>
+            <a:r>
+              <a:rPr lang="en-US" dirty="0" smtClean="0"/>
+              <a:t>… describes </a:t>
+            </a:r>
+            <a:r>
+              <a:rPr lang="en-US" dirty="0"/>
+              <a:t>a resource for purposes such as discovery and identification. It can include elements such as title, </a:t>
+            </a:r>
+            <a:r>
+              <a:rPr lang="en-US" dirty="0" smtClean="0"/>
+              <a:t>format, author</a:t>
+            </a:r>
+            <a:r>
+              <a:rPr lang="en-US" dirty="0"/>
+              <a:t> </a:t>
+            </a:r>
+            <a:r>
+              <a:rPr lang="en-US" dirty="0" smtClean="0"/>
+              <a:t>(s), keywords, spatial coverage, date, etc.</a:t>
+            </a:r>
+            <a:endParaRPr lang="en-US" dirty="0"/>
+          </a:p>
+          <a:p>
+            <a:pPr marL="0" indent="0">
+              <a:buNone/>
+            </a:pPr>
+            <a:endParaRPr lang="en-US" dirty="0"/>
           </a:p>
         </p:txBody>
       </p:sp>
     </p:spTree>
     <p:extLst>
       <p:ext uri="{BB962C8B-B14F-4D97-AF65-F5344CB8AC3E}">
-        <p14:creationId xmlns:p14="http://schemas.microsoft.com/office/powerpoint/2010/main" val="4151033175"/>
+        <p14:creationId xmlns:p14="http://schemas.microsoft.com/office/powerpoint/2010/main" val="578525659"/>
       </p:ext>
     </p:extLst>
   </p:cSld>
@@ -5933,7 +6019,7 @@
           <a:p>
             <a:r>
               <a:rPr lang="en-US" dirty="0" smtClean="0"/>
-              <a:t>Structural Metadata</a:t>
+              <a:t>Example</a:t>
             </a:r>
             <a:endParaRPr lang="en-US" dirty="0"/>
           </a:p>
@@ -5954,29 +6040,96 @@
           <a:bodyPr/>
           <a:lstStyle/>
           <a:p>
-            <a:pPr marL="0" indent="0">
-              <a:buNone/>
-            </a:pPr>
-            <a:r>
-              <a:rPr lang="en-US" dirty="0" smtClean="0"/>
-              <a:t>…indicates </a:t>
-            </a:r>
-            <a:r>
-              <a:rPr lang="en-US" dirty="0"/>
-              <a:t>how compound objects are put together, for example, how pages are ordered to form </a:t>
-            </a:r>
-            <a:r>
-              <a:rPr lang="en-US" dirty="0" smtClean="0"/>
-              <a:t>chapters, or, how different observation events were combined for a “set” of data observations, etc. </a:t>
-            </a:r>
-            <a:endParaRPr lang="en-US" dirty="0"/>
-          </a:p>
-        </p:txBody>
-      </p:sp>
+            <a:endParaRPr lang="en-US"/>
+          </a:p>
+        </p:txBody>
+      </p:sp>
+      <p:sp>
+        <p:nvSpPr>
+          <p:cNvPr id="4" name="Rectangle 3"/>
+          <p:cNvSpPr/>
+          <p:nvPr/>
+        </p:nvSpPr>
+        <p:spPr>
+          <a:xfrm>
+            <a:off x="5494636" y="5550176"/>
+            <a:ext cx="3649364" cy="215444"/>
+          </a:xfrm>
+          <a:prstGeom prst="rect">
+            <a:avLst/>
+          </a:prstGeom>
+        </p:spPr>
+        <p:txBody>
+          <a:bodyPr wrap="square">
+            <a:spAutoFit/>
+          </a:bodyPr>
+          <a:lstStyle/>
+          <a:p>
+            <a:r>
+              <a:rPr lang="en-US" sz="800" dirty="0"/>
+              <a:t>http://</a:t>
+            </a:r>
+            <a:r>
+              <a:rPr lang="en-US" sz="800" dirty="0" err="1"/>
+              <a:t>cera-www.dkrz.de</a:t>
+            </a:r>
+            <a:r>
+              <a:rPr lang="en-US" sz="800" dirty="0"/>
+              <a:t>/WDCC/</a:t>
+            </a:r>
+            <a:r>
+              <a:rPr lang="en-US" sz="800" dirty="0" err="1"/>
+              <a:t>ui</a:t>
+            </a:r>
+            <a:r>
+              <a:rPr lang="en-US" sz="800" dirty="0"/>
+              <a:t>/</a:t>
+            </a:r>
+            <a:r>
+              <a:rPr lang="en-US" sz="800" dirty="0" err="1"/>
+              <a:t>Compact.jsp?acronym</a:t>
+            </a:r>
+            <a:r>
+              <a:rPr lang="en-US" sz="800" dirty="0"/>
+              <a:t>=CCSRNIES_SRES_B2</a:t>
+            </a:r>
+          </a:p>
+        </p:txBody>
+      </p:sp>
+      <p:pic>
+        <p:nvPicPr>
+          <p:cNvPr id="5" name="Picture 4" descr="Screen Shot 2015-01-23 at 4.40.22 PM.png"/>
+          <p:cNvPicPr>
+            <a:picLocks noChangeAspect="1"/>
+          </p:cNvPicPr>
+          <p:nvPr/>
+        </p:nvPicPr>
+        <p:blipFill>
+          <a:blip r:embed="rId2">
+            <a:extLst>
+              <a:ext uri="{28A0092B-C50C-407E-A947-70E740481C1C}">
+                <a14:useLocalDpi xmlns:a14="http://schemas.microsoft.com/office/drawing/2010/main" val="0"/>
+              </a:ext>
+            </a:extLst>
+          </a:blip>
+          <a:stretch>
+            <a:fillRect/>
+          </a:stretch>
+        </p:blipFill>
+        <p:spPr>
+          <a:xfrm>
+            <a:off x="-9549" y="0"/>
+            <a:ext cx="9144000" cy="6857999"/>
+          </a:xfrm>
+          <a:prstGeom prst="rect">
+            <a:avLst/>
+          </a:prstGeom>
+        </p:spPr>
+      </p:pic>
     </p:spTree>
     <p:extLst>
       <p:ext uri="{BB962C8B-B14F-4D97-AF65-F5344CB8AC3E}">
-        <p14:creationId xmlns:p14="http://schemas.microsoft.com/office/powerpoint/2010/main" val="958778815"/>
+        <p14:creationId xmlns:p14="http://schemas.microsoft.com/office/powerpoint/2010/main" val="4151033175"/>
       </p:ext>
     </p:extLst>
   </p:cSld>
